--- a/파이썬기초(PPT)/파이썬 기초 8강_반복문+조건문.pptx
+++ b/파이썬기초(PPT)/파이썬 기초 8강_반복문+조건문.pptx
@@ -312,7 +312,7 @@
           <a:p>
             <a:fld id="{FB30EDBD-1C2D-4C1E-B459-B60219FAB484}" type="datetimeFigureOut">
               <a:rPr lang="ko-KR" altLang="en-US" smtClean="0"/>
-              <a:t>2020-12-12</a:t>
+              <a:t>2021-01-10</a:t>
             </a:fld>
             <a:endParaRPr lang="ko-KR" altLang="en-US"/>
           </a:p>
@@ -475,7 +475,7 @@
           <a:p>
             <a:fld id="{FB30EDBD-1C2D-4C1E-B459-B60219FAB484}" type="datetimeFigureOut">
               <a:rPr lang="ko-KR" altLang="en-US" smtClean="0"/>
-              <a:t>2020-12-12</a:t>
+              <a:t>2021-01-10</a:t>
             </a:fld>
             <a:endParaRPr lang="ko-KR" altLang="en-US"/>
           </a:p>
@@ -648,7 +648,7 @@
           <a:p>
             <a:fld id="{FB30EDBD-1C2D-4C1E-B459-B60219FAB484}" type="datetimeFigureOut">
               <a:rPr lang="ko-KR" altLang="en-US" smtClean="0"/>
-              <a:t>2020-12-12</a:t>
+              <a:t>2021-01-10</a:t>
             </a:fld>
             <a:endParaRPr lang="ko-KR" altLang="en-US"/>
           </a:p>
@@ -811,7 +811,7 @@
           <a:p>
             <a:fld id="{FB30EDBD-1C2D-4C1E-B459-B60219FAB484}" type="datetimeFigureOut">
               <a:rPr lang="ko-KR" altLang="en-US" smtClean="0"/>
-              <a:t>2020-12-12</a:t>
+              <a:t>2021-01-10</a:t>
             </a:fld>
             <a:endParaRPr lang="ko-KR" altLang="en-US"/>
           </a:p>
@@ -1051,7 +1051,7 @@
           <a:p>
             <a:fld id="{FB30EDBD-1C2D-4C1E-B459-B60219FAB484}" type="datetimeFigureOut">
               <a:rPr lang="ko-KR" altLang="en-US" smtClean="0"/>
-              <a:t>2020-12-12</a:t>
+              <a:t>2021-01-10</a:t>
             </a:fld>
             <a:endParaRPr lang="ko-KR" altLang="en-US"/>
           </a:p>
@@ -1331,7 +1331,7 @@
           <a:p>
             <a:fld id="{FB30EDBD-1C2D-4C1E-B459-B60219FAB484}" type="datetimeFigureOut">
               <a:rPr lang="ko-KR" altLang="en-US" smtClean="0"/>
-              <a:t>2020-12-12</a:t>
+              <a:t>2021-01-10</a:t>
             </a:fld>
             <a:endParaRPr lang="ko-KR" altLang="en-US"/>
           </a:p>
@@ -1745,7 +1745,7 @@
           <a:p>
             <a:fld id="{FB30EDBD-1C2D-4C1E-B459-B60219FAB484}" type="datetimeFigureOut">
               <a:rPr lang="ko-KR" altLang="en-US" smtClean="0"/>
-              <a:t>2020-12-12</a:t>
+              <a:t>2021-01-10</a:t>
             </a:fld>
             <a:endParaRPr lang="ko-KR" altLang="en-US"/>
           </a:p>
@@ -1857,7 +1857,7 @@
           <a:p>
             <a:fld id="{FB30EDBD-1C2D-4C1E-B459-B60219FAB484}" type="datetimeFigureOut">
               <a:rPr lang="ko-KR" altLang="en-US" smtClean="0"/>
-              <a:t>2020-12-12</a:t>
+              <a:t>2021-01-10</a:t>
             </a:fld>
             <a:endParaRPr lang="ko-KR" altLang="en-US"/>
           </a:p>
@@ -1947,7 +1947,7 @@
           <a:p>
             <a:fld id="{FB30EDBD-1C2D-4C1E-B459-B60219FAB484}" type="datetimeFigureOut">
               <a:rPr lang="ko-KR" altLang="en-US" smtClean="0"/>
-              <a:t>2020-12-12</a:t>
+              <a:t>2021-01-10</a:t>
             </a:fld>
             <a:endParaRPr lang="ko-KR" altLang="en-US"/>
           </a:p>
@@ -2217,7 +2217,7 @@
           <a:p>
             <a:fld id="{FB30EDBD-1C2D-4C1E-B459-B60219FAB484}" type="datetimeFigureOut">
               <a:rPr lang="ko-KR" altLang="en-US" smtClean="0"/>
-              <a:t>2020-12-12</a:t>
+              <a:t>2021-01-10</a:t>
             </a:fld>
             <a:endParaRPr lang="ko-KR" altLang="en-US"/>
           </a:p>
@@ -2464,7 +2464,7 @@
           <a:p>
             <a:fld id="{FB30EDBD-1C2D-4C1E-B459-B60219FAB484}" type="datetimeFigureOut">
               <a:rPr lang="ko-KR" altLang="en-US" smtClean="0"/>
-              <a:t>2020-12-12</a:t>
+              <a:t>2021-01-10</a:t>
             </a:fld>
             <a:endParaRPr lang="ko-KR" altLang="en-US"/>
           </a:p>
@@ -2670,7 +2670,7 @@
           <a:p>
             <a:fld id="{FB30EDBD-1C2D-4C1E-B459-B60219FAB484}" type="datetimeFigureOut">
               <a:rPr lang="ko-KR" altLang="en-US" smtClean="0"/>
-              <a:t>2020-12-12</a:t>
+              <a:t>2021-01-10</a:t>
             </a:fld>
             <a:endParaRPr lang="ko-KR" altLang="en-US"/>
           </a:p>
@@ -7970,6 +7970,26 @@
                 <a:latin typeface="나눔바른고딕" panose="020B0603020101020101" pitchFamily="50" charset="-127"/>
                 <a:ea typeface="나눔바른고딕" panose="020B0603020101020101" pitchFamily="50" charset="-127"/>
               </a:rPr>
+              <a:t>		break</a:t>
+            </a:r>
+          </a:p>
+          <a:p>
+            <a:pPr algn="l">
+              <a:lnSpc>
+                <a:spcPct val="120000"/>
+              </a:lnSpc>
+            </a:pPr>
+            <a:r>
+              <a:rPr lang="en-US" altLang="ko-KR" sz="2400" spc="-150" dirty="0">
+                <a:solidFill>
+                  <a:schemeClr val="tx1">
+                    <a:lumMod val="50000"/>
+                    <a:lumOff val="50000"/>
+                  </a:schemeClr>
+                </a:solidFill>
+                <a:latin typeface="나눔바른고딕" panose="020B0603020101020101" pitchFamily="50" charset="-127"/>
+                <a:ea typeface="나눔바른고딕" panose="020B0603020101020101" pitchFamily="50" charset="-127"/>
+              </a:rPr>
               <a:t>	else:</a:t>
             </a:r>
           </a:p>

--- a/파이썬기초(PPT)/파이썬 기초 8강_반복문+조건문.pptx
+++ b/파이썬기초(PPT)/파이썬 기초 8강_반복문+조건문.pptx
@@ -12,10 +12,11 @@
     <p:sldId id="299" r:id="rId6"/>
     <p:sldId id="300" r:id="rId7"/>
     <p:sldId id="301" r:id="rId8"/>
-    <p:sldId id="302" r:id="rId9"/>
-    <p:sldId id="303" r:id="rId10"/>
-    <p:sldId id="289" r:id="rId11"/>
-    <p:sldId id="263" r:id="rId12"/>
+    <p:sldId id="298" r:id="rId9"/>
+    <p:sldId id="302" r:id="rId10"/>
+    <p:sldId id="303" r:id="rId11"/>
+    <p:sldId id="289" r:id="rId12"/>
+    <p:sldId id="263" r:id="rId13"/>
   </p:sldIdLst>
   <p:sldSz cx="9144000" cy="6858000" type="screen4x3"/>
   <p:notesSz cx="6858000" cy="9144000"/>
@@ -312,7 +313,7 @@
           <a:p>
             <a:fld id="{FB30EDBD-1C2D-4C1E-B459-B60219FAB484}" type="datetimeFigureOut">
               <a:rPr lang="ko-KR" altLang="en-US" smtClean="0"/>
-              <a:t>2021-01-10</a:t>
+              <a:t>2021-02-05</a:t>
             </a:fld>
             <a:endParaRPr lang="ko-KR" altLang="en-US"/>
           </a:p>
@@ -475,7 +476,7 @@
           <a:p>
             <a:fld id="{FB30EDBD-1C2D-4C1E-B459-B60219FAB484}" type="datetimeFigureOut">
               <a:rPr lang="ko-KR" altLang="en-US" smtClean="0"/>
-              <a:t>2021-01-10</a:t>
+              <a:t>2021-02-05</a:t>
             </a:fld>
             <a:endParaRPr lang="ko-KR" altLang="en-US"/>
           </a:p>
@@ -648,7 +649,7 @@
           <a:p>
             <a:fld id="{FB30EDBD-1C2D-4C1E-B459-B60219FAB484}" type="datetimeFigureOut">
               <a:rPr lang="ko-KR" altLang="en-US" smtClean="0"/>
-              <a:t>2021-01-10</a:t>
+              <a:t>2021-02-05</a:t>
             </a:fld>
             <a:endParaRPr lang="ko-KR" altLang="en-US"/>
           </a:p>
@@ -811,7 +812,7 @@
           <a:p>
             <a:fld id="{FB30EDBD-1C2D-4C1E-B459-B60219FAB484}" type="datetimeFigureOut">
               <a:rPr lang="ko-KR" altLang="en-US" smtClean="0"/>
-              <a:t>2021-01-10</a:t>
+              <a:t>2021-02-05</a:t>
             </a:fld>
             <a:endParaRPr lang="ko-KR" altLang="en-US"/>
           </a:p>
@@ -1051,7 +1052,7 @@
           <a:p>
             <a:fld id="{FB30EDBD-1C2D-4C1E-B459-B60219FAB484}" type="datetimeFigureOut">
               <a:rPr lang="ko-KR" altLang="en-US" smtClean="0"/>
-              <a:t>2021-01-10</a:t>
+              <a:t>2021-02-05</a:t>
             </a:fld>
             <a:endParaRPr lang="ko-KR" altLang="en-US"/>
           </a:p>
@@ -1331,7 +1332,7 @@
           <a:p>
             <a:fld id="{FB30EDBD-1C2D-4C1E-B459-B60219FAB484}" type="datetimeFigureOut">
               <a:rPr lang="ko-KR" altLang="en-US" smtClean="0"/>
-              <a:t>2021-01-10</a:t>
+              <a:t>2021-02-05</a:t>
             </a:fld>
             <a:endParaRPr lang="ko-KR" altLang="en-US"/>
           </a:p>
@@ -1745,7 +1746,7 @@
           <a:p>
             <a:fld id="{FB30EDBD-1C2D-4C1E-B459-B60219FAB484}" type="datetimeFigureOut">
               <a:rPr lang="ko-KR" altLang="en-US" smtClean="0"/>
-              <a:t>2021-01-10</a:t>
+              <a:t>2021-02-05</a:t>
             </a:fld>
             <a:endParaRPr lang="ko-KR" altLang="en-US"/>
           </a:p>
@@ -1857,7 +1858,7 @@
           <a:p>
             <a:fld id="{FB30EDBD-1C2D-4C1E-B459-B60219FAB484}" type="datetimeFigureOut">
               <a:rPr lang="ko-KR" altLang="en-US" smtClean="0"/>
-              <a:t>2021-01-10</a:t>
+              <a:t>2021-02-05</a:t>
             </a:fld>
             <a:endParaRPr lang="ko-KR" altLang="en-US"/>
           </a:p>
@@ -1947,7 +1948,7 @@
           <a:p>
             <a:fld id="{FB30EDBD-1C2D-4C1E-B459-B60219FAB484}" type="datetimeFigureOut">
               <a:rPr lang="ko-KR" altLang="en-US" smtClean="0"/>
-              <a:t>2021-01-10</a:t>
+              <a:t>2021-02-05</a:t>
             </a:fld>
             <a:endParaRPr lang="ko-KR" altLang="en-US"/>
           </a:p>
@@ -2217,7 +2218,7 @@
           <a:p>
             <a:fld id="{FB30EDBD-1C2D-4C1E-B459-B60219FAB484}" type="datetimeFigureOut">
               <a:rPr lang="ko-KR" altLang="en-US" smtClean="0"/>
-              <a:t>2021-01-10</a:t>
+              <a:t>2021-02-05</a:t>
             </a:fld>
             <a:endParaRPr lang="ko-KR" altLang="en-US"/>
           </a:p>
@@ -2464,7 +2465,7 @@
           <a:p>
             <a:fld id="{FB30EDBD-1C2D-4C1E-B459-B60219FAB484}" type="datetimeFigureOut">
               <a:rPr lang="ko-KR" altLang="en-US" smtClean="0"/>
-              <a:t>2021-01-10</a:t>
+              <a:t>2021-02-05</a:t>
             </a:fld>
             <a:endParaRPr lang="ko-KR" altLang="en-US"/>
           </a:p>
@@ -2670,7 +2671,7 @@
           <a:p>
             <a:fld id="{FB30EDBD-1C2D-4C1E-B459-B60219FAB484}" type="datetimeFigureOut">
               <a:rPr lang="ko-KR" altLang="en-US" smtClean="0"/>
-              <a:t>2021-01-10</a:t>
+              <a:t>2021-02-05</a:t>
             </a:fld>
             <a:endParaRPr lang="ko-KR" altLang="en-US"/>
           </a:p>
@@ -3062,7 +3063,7 @@
         </p:nvSpPr>
         <p:spPr>
           <a:xfrm>
-            <a:off x="2015716" y="2081210"/>
+            <a:off x="2015715" y="1795614"/>
             <a:ext cx="5112568" cy="2695581"/>
           </a:xfrm>
           <a:prstGeom prst="rect">
@@ -3378,7 +3379,7 @@
         </p:nvSpPr>
         <p:spPr>
           <a:xfrm>
-            <a:off x="683560" y="1719201"/>
+            <a:off x="611560" y="1340768"/>
             <a:ext cx="7772400" cy="2861927"/>
           </a:xfrm>
         </p:spPr>
@@ -3389,7 +3390,7 @@
           <a:lstStyle/>
           <a:p>
             <a:r>
-              <a:rPr lang="ko-KR" altLang="en-US" b="1" spc="-150" dirty="0">
+              <a:rPr lang="ko-KR" altLang="en-US" sz="4000" b="1" spc="-150" dirty="0">
                 <a:ln>
                   <a:solidFill>
                     <a:schemeClr val="accent1">
@@ -3406,7 +3407,7 @@
               <a:t>핵심만 </a:t>
             </a:r>
             <a:r>
-              <a:rPr lang="ko-KR" altLang="en-US" b="1" spc="-150" dirty="0">
+              <a:rPr lang="ko-KR" altLang="en-US" sz="4000" b="1" spc="-150" dirty="0">
                 <a:ln>
                   <a:solidFill>
                     <a:schemeClr val="accent1">
@@ -3426,7 +3427,7 @@
               <a:t>쏘</a:t>
             </a:r>
             <a:r>
-              <a:rPr lang="en-US" altLang="ko-KR" b="1" spc="-150" dirty="0">
+              <a:rPr lang="en-US" altLang="ko-KR" sz="4000" b="1" spc="-150" dirty="0">
                 <a:ln>
                   <a:solidFill>
                     <a:schemeClr val="accent1">
@@ -3446,7 +3447,7 @@
               <a:t>~</a:t>
             </a:r>
             <a:r>
-              <a:rPr lang="ko-KR" altLang="en-US" b="1" spc="-150" dirty="0">
+              <a:rPr lang="ko-KR" altLang="en-US" sz="4000" b="1" spc="-150" dirty="0">
                 <a:ln>
                   <a:solidFill>
                     <a:schemeClr val="accent1">
@@ -3466,7 +3467,7 @@
               <a:t>옥</a:t>
             </a:r>
             <a:br>
-              <a:rPr lang="en-US" altLang="ko-KR" b="1" spc="-150" dirty="0">
+              <a:rPr lang="en-US" altLang="ko-KR" sz="4000" b="1" spc="-150" dirty="0">
                 <a:ln>
                   <a:solidFill>
                     <a:schemeClr val="accent1">
@@ -3482,7 +3483,7 @@
               </a:rPr>
             </a:br>
             <a:br>
-              <a:rPr lang="en-US" altLang="ko-KR" b="1" spc="-150" dirty="0">
+              <a:rPr lang="en-US" altLang="ko-KR" sz="4000" b="1" spc="-150" dirty="0">
                 <a:ln>
                   <a:solidFill>
                     <a:schemeClr val="accent1">
@@ -3498,7 +3499,7 @@
               </a:rPr>
             </a:br>
             <a:r>
-              <a:rPr lang="ko-KR" altLang="en-US" b="1" spc="-150" dirty="0">
+              <a:rPr lang="ko-KR" altLang="en-US" sz="4000" b="1" spc="-150" dirty="0">
                 <a:ln>
                   <a:solidFill>
                     <a:schemeClr val="accent1">
@@ -3515,7 +3516,7 @@
               <a:t>파이썬 입문 </a:t>
             </a:r>
             <a:r>
-              <a:rPr lang="en-US" altLang="ko-KR" b="1" spc="-150" dirty="0">
+              <a:rPr lang="en-US" altLang="ko-KR" sz="4000" b="1" spc="-150" dirty="0">
                 <a:ln>
                   <a:solidFill>
                     <a:schemeClr val="accent1">
@@ -3532,7 +3533,7 @@
               <a:t>8</a:t>
             </a:r>
             <a:r>
-              <a:rPr lang="ko-KR" altLang="en-US" b="1" spc="-150" dirty="0">
+              <a:rPr lang="ko-KR" altLang="en-US" sz="4000" b="1" spc="-150" dirty="0">
                 <a:ln>
                   <a:solidFill>
                     <a:schemeClr val="accent1">
@@ -3549,7 +3550,7 @@
               <a:t>강</a:t>
             </a:r>
             <a:br>
-              <a:rPr lang="en-US" altLang="ko-KR" b="1" spc="-150" dirty="0">
+              <a:rPr lang="en-US" altLang="ko-KR" sz="4000" b="1" spc="-150" dirty="0">
                 <a:ln>
                   <a:solidFill>
                     <a:schemeClr val="accent1">
@@ -3565,7 +3566,7 @@
               </a:rPr>
             </a:br>
             <a:r>
-              <a:rPr lang="ko-KR" altLang="en-US" b="1" spc="-150" dirty="0" err="1">
+              <a:rPr lang="ko-KR" altLang="en-US" sz="4000" b="1" spc="-150" dirty="0" err="1">
                 <a:ln>
                   <a:solidFill>
                     <a:schemeClr val="accent1">
@@ -3582,7 +3583,7 @@
               <a:t>반복문</a:t>
             </a:r>
             <a:r>
-              <a:rPr lang="ko-KR" altLang="en-US" b="1" spc="-150" dirty="0">
+              <a:rPr lang="ko-KR" altLang="en-US" sz="4000" b="1" spc="-150" dirty="0">
                 <a:ln>
                   <a:solidFill>
                     <a:schemeClr val="accent1">
@@ -3599,7 +3600,7 @@
               <a:t> </a:t>
             </a:r>
             <a:r>
-              <a:rPr lang="en-US" altLang="ko-KR" b="1" spc="-150" dirty="0">
+              <a:rPr lang="en-US" altLang="ko-KR" sz="4000" b="1" spc="-150" dirty="0">
                 <a:ln>
                   <a:solidFill>
                     <a:schemeClr val="accent1">
@@ -3616,7 +3617,7 @@
               <a:t>+ </a:t>
             </a:r>
             <a:r>
-              <a:rPr lang="ko-KR" altLang="en-US" b="1" spc="-150" dirty="0" err="1">
+              <a:rPr lang="ko-KR" altLang="en-US" sz="4000" b="1" spc="-150" dirty="0" err="1">
                 <a:ln>
                   <a:solidFill>
                     <a:schemeClr val="accent1">
@@ -3632,7 +3633,7 @@
               </a:rPr>
               <a:t>조건문</a:t>
             </a:r>
-            <a:endParaRPr lang="ko-KR" altLang="en-US" b="1" spc="-150" dirty="0">
+            <a:endParaRPr lang="ko-KR" altLang="en-US" sz="4000" b="1" spc="-150" dirty="0">
               <a:ln>
                 <a:solidFill>
                   <a:schemeClr val="accent1">
@@ -3663,6 +3664,264 @@
 </file>
 
 <file path=ppt/slides/slide10.xml><?xml version="1.0" encoding="utf-8"?>
+<p:sld xmlns:a="http://schemas.openxmlformats.org/drawingml/2006/main" xmlns:r="http://schemas.openxmlformats.org/officeDocument/2006/relationships" xmlns:p="http://schemas.openxmlformats.org/presentationml/2006/main">
+  <p:cSld>
+    <p:spTree>
+      <p:nvGrpSpPr>
+        <p:cNvPr id="1" name=""/>
+        <p:cNvGrpSpPr/>
+        <p:nvPr/>
+      </p:nvGrpSpPr>
+      <p:grpSpPr>
+        <a:xfrm>
+          <a:off x="0" y="0"/>
+          <a:ext cx="0" cy="0"/>
+          <a:chOff x="0" y="0"/>
+          <a:chExt cx="0" cy="0"/>
+        </a:xfrm>
+      </p:grpSpPr>
+      <p:sp>
+        <p:nvSpPr>
+          <p:cNvPr id="4" name="제목 1"/>
+          <p:cNvSpPr txBox="1">
+            <a:spLocks/>
+          </p:cNvSpPr>
+          <p:nvPr/>
+        </p:nvSpPr>
+        <p:spPr>
+          <a:xfrm>
+            <a:off x="685800" y="2492896"/>
+            <a:ext cx="7772400" cy="1470025"/>
+          </a:xfrm>
+          <a:prstGeom prst="rect">
+            <a:avLst/>
+          </a:prstGeom>
+        </p:spPr>
+        <p:txBody>
+          <a:bodyPr vert="horz" lIns="91440" tIns="45720" rIns="91440" bIns="45720" rtlCol="0" anchor="ctr">
+            <a:normAutofit/>
+          </a:bodyPr>
+          <a:lstStyle>
+            <a:lvl1pPr algn="ctr" defTabSz="914400" rtl="0" eaLnBrk="1" latinLnBrk="1" hangingPunct="1">
+              <a:spcBef>
+                <a:spcPct val="0"/>
+              </a:spcBef>
+              <a:buNone/>
+              <a:defRPr sz="4400" kern="1200">
+                <a:solidFill>
+                  <a:schemeClr val="tx1"/>
+                </a:solidFill>
+                <a:latin typeface="+mj-lt"/>
+                <a:ea typeface="+mj-ea"/>
+                <a:cs typeface="+mj-cs"/>
+              </a:defRPr>
+            </a:lvl1pPr>
+          </a:lstStyle>
+          <a:p>
+            <a:endParaRPr lang="ko-KR" altLang="en-US" dirty="0">
+              <a:latin typeface="배달의민족 주아" pitchFamily="18" charset="-127"/>
+              <a:ea typeface="배달의민족 주아" pitchFamily="18" charset="-127"/>
+            </a:endParaRPr>
+          </a:p>
+        </p:txBody>
+      </p:sp>
+      <p:sp>
+        <p:nvSpPr>
+          <p:cNvPr id="5" name="제목 1">
+            <a:extLst>
+              <a:ext uri="{FF2B5EF4-FFF2-40B4-BE49-F238E27FC236}">
+                <a16:creationId xmlns:a16="http://schemas.microsoft.com/office/drawing/2014/main" id="{3C592EEA-D5C4-45A5-8341-B696347FDC88}"/>
+              </a:ext>
+            </a:extLst>
+          </p:cNvPr>
+          <p:cNvSpPr txBox="1">
+            <a:spLocks/>
+          </p:cNvSpPr>
+          <p:nvPr/>
+        </p:nvSpPr>
+        <p:spPr>
+          <a:xfrm>
+            <a:off x="685800" y="2485430"/>
+            <a:ext cx="7772400" cy="1887141"/>
+          </a:xfrm>
+          <a:prstGeom prst="rect">
+            <a:avLst/>
+          </a:prstGeom>
+          <a:ln>
+            <a:solidFill>
+              <a:schemeClr val="accent1">
+                <a:alpha val="0"/>
+              </a:schemeClr>
+            </a:solidFill>
+          </a:ln>
+        </p:spPr>
+        <p:txBody>
+          <a:bodyPr vert="horz" lIns="91440" tIns="45720" rIns="91440" bIns="45720" rtlCol="0" anchor="ctr">
+            <a:noAutofit/>
+          </a:bodyPr>
+          <a:lstStyle>
+            <a:lvl1pPr algn="ctr" defTabSz="914400" rtl="0" eaLnBrk="1" latinLnBrk="1" hangingPunct="1">
+              <a:spcBef>
+                <a:spcPct val="0"/>
+              </a:spcBef>
+              <a:buNone/>
+              <a:defRPr sz="4400" kern="1200">
+                <a:solidFill>
+                  <a:schemeClr val="tx1"/>
+                </a:solidFill>
+                <a:latin typeface="+mj-lt"/>
+                <a:ea typeface="+mj-ea"/>
+                <a:cs typeface="+mj-cs"/>
+              </a:defRPr>
+            </a:lvl1pPr>
+          </a:lstStyle>
+          <a:p>
+            <a:r>
+              <a:rPr lang="en-US" altLang="ko-KR" sz="3600" spc="-150" dirty="0">
+                <a:solidFill>
+                  <a:schemeClr val="tx1">
+                    <a:lumMod val="75000"/>
+                    <a:lumOff val="25000"/>
+                  </a:schemeClr>
+                </a:solidFill>
+                <a:latin typeface="나눔바른고딕" panose="020B0603020101020101" pitchFamily="50" charset="-127"/>
+                <a:ea typeface="나눔바른고딕" panose="020B0603020101020101" pitchFamily="50" charset="-127"/>
+              </a:rPr>
+              <a:t>2</a:t>
+            </a:r>
+            <a:r>
+              <a:rPr lang="ko-KR" altLang="en-US" sz="3600" spc="-150" dirty="0">
+                <a:solidFill>
+                  <a:schemeClr val="tx1">
+                    <a:lumMod val="75000"/>
+                    <a:lumOff val="25000"/>
+                  </a:schemeClr>
+                </a:solidFill>
+                <a:latin typeface="나눔바른고딕" panose="020B0603020101020101" pitchFamily="50" charset="-127"/>
+                <a:ea typeface="나눔바른고딕" panose="020B0603020101020101" pitchFamily="50" charset="-127"/>
+              </a:rPr>
+              <a:t>차원 리스트</a:t>
+            </a:r>
+          </a:p>
+        </p:txBody>
+      </p:sp>
+    </p:spTree>
+    <p:extLst>
+      <p:ext uri="{BB962C8B-B14F-4D97-AF65-F5344CB8AC3E}">
+        <p14:creationId xmlns:p14="http://schemas.microsoft.com/office/powerpoint/2010/main" val="1905261982"/>
+      </p:ext>
+    </p:extLst>
+  </p:cSld>
+  <p:clrMapOvr>
+    <a:masterClrMapping/>
+  </p:clrMapOvr>
+  <mc:AlternateContent xmlns:mc="http://schemas.openxmlformats.org/markup-compatibility/2006" xmlns:p159="http://schemas.microsoft.com/office/powerpoint/2015/09/main">
+    <mc:Choice Requires="p159">
+      <p:transition xmlns:p14="http://schemas.microsoft.com/office/powerpoint/2010/main" spd="slow" p14:dur="2000">
+        <p159:morph option="byObject"/>
+      </p:transition>
+    </mc:Choice>
+    <mc:Fallback xmlns="">
+      <p:transition spd="slow">
+        <p:fade/>
+      </p:transition>
+    </mc:Fallback>
+  </mc:AlternateContent>
+  <p:timing>
+    <p:tnLst>
+      <p:par>
+        <p:cTn id="1" dur="indefinite" restart="never" nodeType="tmRoot">
+          <p:childTnLst>
+            <p:seq concurrent="1" nextAc="seek">
+              <p:cTn id="2" dur="indefinite" nodeType="mainSeq">
+                <p:childTnLst>
+                  <p:par>
+                    <p:cTn id="3" fill="hold">
+                      <p:stCondLst>
+                        <p:cond delay="indefinite"/>
+                      </p:stCondLst>
+                      <p:childTnLst>
+                        <p:par>
+                          <p:cTn id="4" fill="hold">
+                            <p:stCondLst>
+                              <p:cond delay="0"/>
+                            </p:stCondLst>
+                            <p:childTnLst>
+                              <p:par>
+                                <p:cTn id="5" presetID="10" presetClass="entr" presetSubtype="0" fill="hold" grpId="0" nodeType="clickEffect" nodePh="1">
+                                  <p:stCondLst>
+                                    <p:cond delay="0"/>
+                                  </p:stCondLst>
+                                  <p:endCondLst>
+                                    <p:cond evt="begin" delay="0">
+                                      <p:tn val="5"/>
+                                    </p:cond>
+                                  </p:endCondLst>
+                                  <p:childTnLst>
+                                    <p:set>
+                                      <p:cBhvr>
+                                        <p:cTn id="6" dur="1" fill="hold">
+                                          <p:stCondLst>
+                                            <p:cond delay="0"/>
+                                          </p:stCondLst>
+                                        </p:cTn>
+                                        <p:tgtEl>
+                                          <p:spTgt spid="4"/>
+                                        </p:tgtEl>
+                                        <p:attrNameLst>
+                                          <p:attrName>style.visibility</p:attrName>
+                                        </p:attrNameLst>
+                                      </p:cBhvr>
+                                      <p:to>
+                                        <p:strVal val="visible"/>
+                                      </p:to>
+                                    </p:set>
+                                    <p:animEffect transition="in" filter="fade">
+                                      <p:cBhvr>
+                                        <p:cTn id="7" dur="500"/>
+                                        <p:tgtEl>
+                                          <p:spTgt spid="4"/>
+                                        </p:tgtEl>
+                                      </p:cBhvr>
+                                    </p:animEffect>
+                                  </p:childTnLst>
+                                </p:cTn>
+                              </p:par>
+                            </p:childTnLst>
+                          </p:cTn>
+                        </p:par>
+                      </p:childTnLst>
+                    </p:cTn>
+                  </p:par>
+                </p:childTnLst>
+              </p:cTn>
+              <p:prevCondLst>
+                <p:cond evt="onPrev" delay="0">
+                  <p:tgtEl>
+                    <p:sldTgt/>
+                  </p:tgtEl>
+                </p:cond>
+              </p:prevCondLst>
+              <p:nextCondLst>
+                <p:cond evt="onNext" delay="0">
+                  <p:tgtEl>
+                    <p:sldTgt/>
+                  </p:tgtEl>
+                </p:cond>
+              </p:nextCondLst>
+            </p:seq>
+          </p:childTnLst>
+        </p:cTn>
+      </p:par>
+    </p:tnLst>
+    <p:bldLst>
+      <p:bldP spid="4" grpId="0"/>
+    </p:bldLst>
+  </p:timing>
+</p:sld>
+</file>
+
+<file path=ppt/slides/slide11.xml><?xml version="1.0" encoding="utf-8"?>
 <p:sld xmlns:a="http://schemas.openxmlformats.org/drawingml/2006/main" xmlns:r="http://schemas.openxmlformats.org/officeDocument/2006/relationships" xmlns:p="http://schemas.openxmlformats.org/presentationml/2006/main">
   <p:cSld>
     <p:bg>
@@ -4843,6 +5102,18 @@
   <p:clrMapOvr>
     <a:masterClrMapping/>
   </p:clrMapOvr>
+  <mc:AlternateContent xmlns:mc="http://schemas.openxmlformats.org/markup-compatibility/2006" xmlns:p159="http://schemas.microsoft.com/office/powerpoint/2015/09/main">
+    <mc:Choice Requires="p159">
+      <p:transition xmlns:p14="http://schemas.microsoft.com/office/powerpoint/2010/main" spd="slow" p14:dur="2000">
+        <p159:morph option="byObject"/>
+      </p:transition>
+    </mc:Choice>
+    <mc:Fallback xmlns="">
+      <p:transition spd="slow">
+        <p:fade/>
+      </p:transition>
+    </mc:Fallback>
+  </mc:AlternateContent>
   <p:timing>
     <p:tnLst>
       <p:par>
@@ -5219,7 +5490,7 @@
 </p:sld>
 </file>
 
-<file path=ppt/slides/slide11.xml><?xml version="1.0" encoding="utf-8"?>
+<file path=ppt/slides/slide12.xml><?xml version="1.0" encoding="utf-8"?>
 <p:sld xmlns:a="http://schemas.openxmlformats.org/drawingml/2006/main" xmlns:r="http://schemas.openxmlformats.org/officeDocument/2006/relationships" xmlns:p="http://schemas.openxmlformats.org/presentationml/2006/main">
   <p:cSld>
     <p:bg>
@@ -5433,6 +5704,18 @@
   <p:clrMapOvr>
     <a:masterClrMapping/>
   </p:clrMapOvr>
+  <mc:AlternateContent xmlns:mc="http://schemas.openxmlformats.org/markup-compatibility/2006" xmlns:p159="http://schemas.microsoft.com/office/powerpoint/2015/09/main">
+    <mc:Choice Requires="p159">
+      <p:transition xmlns:p14="http://schemas.microsoft.com/office/powerpoint/2010/main" spd="slow" p14:dur="2000">
+        <p159:morph option="byObject"/>
+      </p:transition>
+    </mc:Choice>
+    <mc:Fallback xmlns="">
+      <p:transition spd="slow">
+        <p:fade/>
+      </p:transition>
+    </mc:Fallback>
+  </mc:AlternateContent>
 </p:sld>
 </file>
 
@@ -5531,9 +5814,7 @@
                   </a:solidFill>
                 </a:ln>
                 <a:solidFill>
-                  <a:schemeClr val="bg1">
-                    <a:lumMod val="95000"/>
-                  </a:schemeClr>
+                  <a:schemeClr val="bg1"/>
                 </a:solidFill>
                 <a:latin typeface="나눔바른고딕" panose="020B0603020101020101" pitchFamily="50" charset="-127"/>
                 <a:ea typeface="나눔바른고딕" panose="020B0603020101020101" pitchFamily="50" charset="-127"/>
@@ -5550,9 +5831,7 @@
                   </a:solidFill>
                 </a:ln>
                 <a:solidFill>
-                  <a:schemeClr val="bg1">
-                    <a:lumMod val="95000"/>
-                  </a:schemeClr>
+                  <a:schemeClr val="bg1"/>
                 </a:solidFill>
                 <a:latin typeface="나눔바른고딕" panose="020B0603020101020101" pitchFamily="50" charset="-127"/>
                 <a:ea typeface="나눔바른고딕" panose="020B0603020101020101" pitchFamily="50" charset="-127"/>
@@ -5569,9 +5848,7 @@
                   </a:solidFill>
                 </a:ln>
                 <a:solidFill>
-                  <a:schemeClr val="bg1">
-                    <a:lumMod val="95000"/>
-                  </a:schemeClr>
+                  <a:schemeClr val="bg1"/>
                 </a:solidFill>
                 <a:latin typeface="나눔바른고딕" panose="020B0603020101020101" pitchFamily="50" charset="-127"/>
                 <a:ea typeface="나눔바른고딕" panose="020B0603020101020101" pitchFamily="50" charset="-127"/>
@@ -5587,9 +5864,7 @@
                   </a:solidFill>
                 </a:ln>
                 <a:solidFill>
-                  <a:schemeClr val="bg1">
-                    <a:lumMod val="95000"/>
-                  </a:schemeClr>
+                  <a:schemeClr val="bg1"/>
                 </a:solidFill>
                 <a:latin typeface="나눔바른고딕" panose="020B0603020101020101" pitchFamily="50" charset="-127"/>
                 <a:ea typeface="나눔바른고딕" panose="020B0603020101020101" pitchFamily="50" charset="-127"/>
@@ -5606,9 +5881,7 @@
                   </a:solidFill>
                 </a:ln>
                 <a:solidFill>
-                  <a:schemeClr val="bg1">
-                    <a:lumMod val="95000"/>
-                  </a:schemeClr>
+                  <a:schemeClr val="bg1"/>
                 </a:solidFill>
                 <a:latin typeface="나눔바른고딕" panose="020B0603020101020101" pitchFamily="50" charset="-127"/>
                 <a:ea typeface="나눔바른고딕" panose="020B0603020101020101" pitchFamily="50" charset="-127"/>
@@ -5625,9 +5898,7 @@
                   </a:solidFill>
                 </a:ln>
                 <a:solidFill>
-                  <a:schemeClr val="bg1">
-                    <a:lumMod val="95000"/>
-                  </a:schemeClr>
+                  <a:schemeClr val="bg1"/>
                 </a:solidFill>
                 <a:latin typeface="나눔바른고딕" panose="020B0603020101020101" pitchFamily="50" charset="-127"/>
                 <a:ea typeface="나눔바른고딕" panose="020B0603020101020101" pitchFamily="50" charset="-127"/>
@@ -5643,9 +5914,7 @@
                   </a:solidFill>
                 </a:ln>
                 <a:solidFill>
-                  <a:schemeClr val="bg1">
-                    <a:lumMod val="95000"/>
-                  </a:schemeClr>
+                  <a:schemeClr val="bg1"/>
                 </a:solidFill>
                 <a:latin typeface="나눔바른고딕" panose="020B0603020101020101" pitchFamily="50" charset="-127"/>
                 <a:ea typeface="나눔바른고딕" panose="020B0603020101020101" pitchFamily="50" charset="-127"/>
@@ -5662,9 +5931,7 @@
                   </a:solidFill>
                 </a:ln>
                 <a:solidFill>
-                  <a:schemeClr val="bg1">
-                    <a:lumMod val="95000"/>
-                  </a:schemeClr>
+                  <a:schemeClr val="bg1"/>
                 </a:solidFill>
                 <a:latin typeface="나눔바른고딕" panose="020B0603020101020101" pitchFamily="50" charset="-127"/>
                 <a:ea typeface="나눔바른고딕" panose="020B0603020101020101" pitchFamily="50" charset="-127"/>
@@ -5681,9 +5948,7 @@
                   </a:solidFill>
                 </a:ln>
                 <a:solidFill>
-                  <a:schemeClr val="bg1">
-                    <a:lumMod val="95000"/>
-                  </a:schemeClr>
+                  <a:schemeClr val="bg1"/>
                 </a:solidFill>
                 <a:latin typeface="나눔바른고딕" panose="020B0603020101020101" pitchFamily="50" charset="-127"/>
                 <a:ea typeface="나눔바른고딕" panose="020B0603020101020101" pitchFamily="50" charset="-127"/>
@@ -5699,9 +5964,7 @@
                   </a:solidFill>
                 </a:ln>
                 <a:solidFill>
-                  <a:schemeClr val="bg1">
-                    <a:lumMod val="95000"/>
-                  </a:schemeClr>
+                  <a:schemeClr val="bg1"/>
                 </a:solidFill>
                 <a:latin typeface="나눔바른고딕" panose="020B0603020101020101" pitchFamily="50" charset="-127"/>
                 <a:ea typeface="나눔바른고딕" panose="020B0603020101020101" pitchFamily="50" charset="-127"/>
@@ -5718,9 +5981,7 @@
                   </a:solidFill>
                 </a:ln>
                 <a:solidFill>
-                  <a:schemeClr val="bg1">
-                    <a:lumMod val="95000"/>
-                  </a:schemeClr>
+                  <a:schemeClr val="bg1"/>
                 </a:solidFill>
                 <a:latin typeface="나눔바른고딕" panose="020B0603020101020101" pitchFamily="50" charset="-127"/>
                 <a:ea typeface="나눔바른고딕" panose="020B0603020101020101" pitchFamily="50" charset="-127"/>
@@ -5737,9 +5998,7 @@
                   </a:solidFill>
                 </a:ln>
                 <a:solidFill>
-                  <a:schemeClr val="bg1">
-                    <a:lumMod val="95000"/>
-                  </a:schemeClr>
+                  <a:schemeClr val="bg1"/>
                 </a:solidFill>
                 <a:latin typeface="나눔바른고딕" panose="020B0603020101020101" pitchFamily="50" charset="-127"/>
                 <a:ea typeface="나눔바른고딕" panose="020B0603020101020101" pitchFamily="50" charset="-127"/>
@@ -5754,9 +6013,7 @@
                 </a:solidFill>
               </a:ln>
               <a:solidFill>
-                <a:schemeClr val="bg1">
-                  <a:lumMod val="95000"/>
-                </a:schemeClr>
+                <a:schemeClr val="bg1"/>
               </a:solidFill>
               <a:latin typeface="나눔바른고딕" panose="020B0603020101020101" pitchFamily="50" charset="-127"/>
               <a:ea typeface="나눔바른고딕" panose="020B0603020101020101" pitchFamily="50" charset="-127"/>
@@ -5828,6 +6085,18 @@
   <p:clrMapOvr>
     <a:masterClrMapping/>
   </p:clrMapOvr>
+  <mc:AlternateContent xmlns:mc="http://schemas.openxmlformats.org/markup-compatibility/2006" xmlns:p159="http://schemas.microsoft.com/office/powerpoint/2015/09/main">
+    <mc:Choice Requires="p159">
+      <p:transition xmlns:p14="http://schemas.microsoft.com/office/powerpoint/2010/main" spd="slow" p14:dur="2000">
+        <p159:morph option="byObject"/>
+      </p:transition>
+    </mc:Choice>
+    <mc:Fallback xmlns="">
+      <p:transition spd="slow">
+        <p:fade/>
+      </p:transition>
+    </mc:Fallback>
+  </mc:AlternateContent>
 </p:sld>
 </file>
 
@@ -5953,17 +6222,42 @@
           </a:lstStyle>
           <a:p>
             <a:r>
-              <a:rPr lang="ko-KR" altLang="en-US" sz="4600" spc="-150" dirty="0">
+              <a:rPr lang="ko-KR" altLang="en-US" sz="3600" spc="-150" dirty="0">
                 <a:solidFill>
                   <a:schemeClr val="tx1">
-                    <a:lumMod val="50000"/>
-                    <a:lumOff val="50000"/>
-                  </a:schemeClr>
-                </a:solidFill>
-                <a:latin typeface="나눔바른고딕" panose="020B0603020101020101" pitchFamily="50" charset="-127"/>
-                <a:ea typeface="나눔바른고딕" panose="020B0603020101020101" pitchFamily="50" charset="-127"/>
-              </a:rPr>
-              <a:t>리스트의 특정 요소만 다뤄보자 </a:t>
+                    <a:lumMod val="75000"/>
+                    <a:lumOff val="25000"/>
+                  </a:schemeClr>
+                </a:solidFill>
+                <a:latin typeface="나눔바른고딕" panose="020B0603020101020101" pitchFamily="50" charset="-127"/>
+                <a:ea typeface="나눔바른고딕" panose="020B0603020101020101" pitchFamily="50" charset="-127"/>
+              </a:rPr>
+              <a:t>리스트의 </a:t>
+            </a:r>
+            <a:r>
+              <a:rPr lang="ko-KR" altLang="en-US" sz="3600" spc="-150" dirty="0">
+                <a:solidFill>
+                  <a:schemeClr val="accent6">
+                    <a:lumMod val="75000"/>
+                  </a:schemeClr>
+                </a:solidFill>
+                <a:latin typeface="나눔바른고딕" panose="020B0603020101020101" pitchFamily="50" charset="-127"/>
+                <a:ea typeface="나눔바른고딕" panose="020B0603020101020101" pitchFamily="50" charset="-127"/>
+              </a:rPr>
+              <a:t>특정 요소</a:t>
+            </a:r>
+            <a:r>
+              <a:rPr lang="ko-KR" altLang="en-US" sz="3600" spc="-150" dirty="0">
+                <a:solidFill>
+                  <a:schemeClr val="tx1">
+                    <a:lumMod val="75000"/>
+                    <a:lumOff val="25000"/>
+                  </a:schemeClr>
+                </a:solidFill>
+                <a:latin typeface="나눔바른고딕" panose="020B0603020101020101" pitchFamily="50" charset="-127"/>
+                <a:ea typeface="나눔바른고딕" panose="020B0603020101020101" pitchFamily="50" charset="-127"/>
+              </a:rPr>
+              <a:t>만 다뤄보자 </a:t>
             </a:r>
           </a:p>
         </p:txBody>
@@ -5978,6 +6272,18 @@
   <p:clrMapOvr>
     <a:masterClrMapping/>
   </p:clrMapOvr>
+  <mc:AlternateContent xmlns:mc="http://schemas.openxmlformats.org/markup-compatibility/2006" xmlns:p159="http://schemas.microsoft.com/office/powerpoint/2015/09/main">
+    <mc:Choice Requires="p159">
+      <p:transition xmlns:p14="http://schemas.microsoft.com/office/powerpoint/2010/main" spd="slow" p14:dur="2000">
+        <p159:morph option="byObject"/>
+      </p:transition>
+    </mc:Choice>
+    <mc:Fallback xmlns="">
+      <p:transition spd="slow">
+        <p:fade/>
+      </p:transition>
+    </mc:Fallback>
+  </mc:AlternateContent>
   <p:timing>
     <p:tnLst>
       <p:par>
@@ -6202,8 +6508,8 @@
               <a:rPr lang="en-US" altLang="ko-KR" sz="2800" spc="-150" dirty="0">
                 <a:solidFill>
                   <a:schemeClr val="tx1">
-                    <a:lumMod val="50000"/>
-                    <a:lumOff val="50000"/>
+                    <a:lumMod val="75000"/>
+                    <a:lumOff val="25000"/>
                   </a:schemeClr>
                 </a:solidFill>
                 <a:latin typeface="나눔바른고딕" panose="020B0603020101020101" pitchFamily="50" charset="-127"/>
@@ -6215,8 +6521,8 @@
               <a:rPr lang="ko-KR" altLang="en-US" sz="2800" spc="-150" dirty="0">
                 <a:solidFill>
                   <a:schemeClr val="tx1">
-                    <a:lumMod val="50000"/>
-                    <a:lumOff val="50000"/>
+                    <a:lumMod val="75000"/>
+                    <a:lumOff val="25000"/>
                   </a:schemeClr>
                 </a:solidFill>
                 <a:latin typeface="나눔바른고딕" panose="020B0603020101020101" pitchFamily="50" charset="-127"/>
@@ -6228,8 +6534,8 @@
               <a:rPr lang="en-US" altLang="ko-KR" sz="2800" spc="-150" dirty="0">
                 <a:solidFill>
                   <a:schemeClr val="tx1">
-                    <a:lumMod val="50000"/>
-                    <a:lumOff val="50000"/>
+                    <a:lumMod val="75000"/>
+                    <a:lumOff val="25000"/>
                   </a:schemeClr>
                 </a:solidFill>
                 <a:latin typeface="나눔바른고딕" panose="020B0603020101020101" pitchFamily="50" charset="-127"/>
@@ -6241,8 +6547,8 @@
               <a:rPr lang="ko-KR" altLang="en-US" sz="2800" spc="-150" dirty="0">
                 <a:solidFill>
                   <a:schemeClr val="tx1">
-                    <a:lumMod val="50000"/>
-                    <a:lumOff val="50000"/>
+                    <a:lumMod val="75000"/>
+                    <a:lumOff val="25000"/>
                   </a:schemeClr>
                 </a:solidFill>
                 <a:latin typeface="나눔바른고딕" panose="020B0603020101020101" pitchFamily="50" charset="-127"/>
@@ -6254,8 +6560,8 @@
               <a:rPr lang="en-US" altLang="ko-KR" sz="2800" spc="-150" dirty="0">
                 <a:solidFill>
                   <a:schemeClr val="tx1">
-                    <a:lumMod val="50000"/>
-                    <a:lumOff val="50000"/>
+                    <a:lumMod val="75000"/>
+                    <a:lumOff val="25000"/>
                   </a:schemeClr>
                 </a:solidFill>
                 <a:latin typeface="나눔바른고딕" panose="020B0603020101020101" pitchFamily="50" charset="-127"/>
@@ -6267,8 +6573,8 @@
               <a:rPr lang="ko-KR" altLang="en-US" sz="2800" spc="-150" dirty="0">
                 <a:solidFill>
                   <a:schemeClr val="tx1">
-                    <a:lumMod val="50000"/>
-                    <a:lumOff val="50000"/>
+                    <a:lumMod val="75000"/>
+                    <a:lumOff val="25000"/>
                   </a:schemeClr>
                 </a:solidFill>
                 <a:latin typeface="나눔바른고딕" panose="020B0603020101020101" pitchFamily="50" charset="-127"/>
@@ -6280,8 +6586,8 @@
               <a:rPr lang="en-US" altLang="ko-KR" sz="2800" spc="-150" dirty="0">
                 <a:solidFill>
                   <a:schemeClr val="tx1">
-                    <a:lumMod val="50000"/>
-                    <a:lumOff val="50000"/>
+                    <a:lumMod val="75000"/>
+                    <a:lumOff val="25000"/>
                   </a:schemeClr>
                 </a:solidFill>
                 <a:latin typeface="나눔바른고딕" panose="020B0603020101020101" pitchFamily="50" charset="-127"/>
@@ -6293,8 +6599,8 @@
               <a:rPr lang="en-US" altLang="ko-KR" sz="2800" spc="-150" dirty="0">
                 <a:solidFill>
                   <a:schemeClr val="tx1">
-                    <a:lumMod val="50000"/>
-                    <a:lumOff val="50000"/>
+                    <a:lumMod val="75000"/>
+                    <a:lumOff val="25000"/>
                   </a:schemeClr>
                 </a:solidFill>
                 <a:latin typeface="나눔바른고딕" panose="020B0603020101020101" pitchFamily="50" charset="-127"/>
@@ -6305,8 +6611,8 @@
               <a:rPr lang="en-US" altLang="ko-KR" sz="2800" spc="-150" dirty="0">
                 <a:solidFill>
                   <a:schemeClr val="tx1">
-                    <a:lumMod val="50000"/>
-                    <a:lumOff val="50000"/>
+                    <a:lumMod val="75000"/>
+                    <a:lumOff val="25000"/>
                   </a:schemeClr>
                 </a:solidFill>
                 <a:latin typeface="나눔바른고딕" panose="020B0603020101020101" pitchFamily="50" charset="-127"/>
@@ -6325,21 +6631,32 @@
               <a:rPr lang="en-US" altLang="ko-KR" sz="2800" spc="-150" dirty="0">
                 <a:solidFill>
                   <a:schemeClr val="tx1">
-                    <a:lumMod val="50000"/>
-                    <a:lumOff val="50000"/>
-                  </a:schemeClr>
-                </a:solidFill>
-                <a:latin typeface="나눔바른고딕" panose="020B0603020101020101" pitchFamily="50" charset="-127"/>
-                <a:ea typeface="나눔바른고딕" panose="020B0603020101020101" pitchFamily="50" charset="-127"/>
-              </a:rPr>
-              <a:t>	if name == "</a:t>
+                    <a:lumMod val="75000"/>
+                    <a:lumOff val="25000"/>
+                  </a:schemeClr>
+                </a:solidFill>
+                <a:latin typeface="나눔바른고딕" panose="020B0603020101020101" pitchFamily="50" charset="-127"/>
+                <a:ea typeface="나눔바른고딕" panose="020B0603020101020101" pitchFamily="50" charset="-127"/>
+              </a:rPr>
+              <a:t>	</a:t>
+            </a:r>
+            <a:r>
+              <a:rPr lang="en-US" altLang="ko-KR" sz="2800" spc="-150" dirty="0">
+                <a:solidFill>
+                  <a:schemeClr val="accent6">
+                    <a:lumMod val="75000"/>
+                  </a:schemeClr>
+                </a:solidFill>
+                <a:latin typeface="나눔바른고딕" panose="020B0603020101020101" pitchFamily="50" charset="-127"/>
+                <a:ea typeface="나눔바른고딕" panose="020B0603020101020101" pitchFamily="50" charset="-127"/>
+              </a:rPr>
+              <a:t>if name == "</a:t>
             </a:r>
             <a:r>
               <a:rPr lang="ko-KR" altLang="en-US" sz="2800" spc="-150" dirty="0">
                 <a:solidFill>
-                  <a:schemeClr val="tx1">
-                    <a:lumMod val="50000"/>
-                    <a:lumOff val="50000"/>
+                  <a:schemeClr val="accent6">
+                    <a:lumMod val="75000"/>
                   </a:schemeClr>
                 </a:solidFill>
                 <a:latin typeface="나눔바른고딕" panose="020B0603020101020101" pitchFamily="50" charset="-127"/>
@@ -6350,9 +6667,8 @@
             <a:r>
               <a:rPr lang="en-US" altLang="ko-KR" sz="2800" spc="-150" dirty="0">
                 <a:solidFill>
-                  <a:schemeClr val="tx1">
-                    <a:lumMod val="50000"/>
-                    <a:lumOff val="50000"/>
+                  <a:schemeClr val="accent6">
+                    <a:lumMod val="75000"/>
                   </a:schemeClr>
                 </a:solidFill>
                 <a:latin typeface="나눔바른고딕" panose="020B0603020101020101" pitchFamily="50" charset="-127"/>
@@ -6371,8 +6687,8 @@
               <a:rPr lang="en-US" altLang="ko-KR" sz="2800" spc="-150" dirty="0">
                 <a:solidFill>
                   <a:schemeClr val="tx1">
-                    <a:lumMod val="50000"/>
-                    <a:lumOff val="50000"/>
+                    <a:lumMod val="75000"/>
+                    <a:lumOff val="25000"/>
                   </a:schemeClr>
                 </a:solidFill>
                 <a:latin typeface="나눔바른고딕" panose="020B0603020101020101" pitchFamily="50" charset="-127"/>
@@ -6384,8 +6700,8 @@
               <a:rPr lang="ko-KR" altLang="en-US" sz="2800" spc="-150" dirty="0">
                 <a:solidFill>
                   <a:schemeClr val="tx1">
-                    <a:lumMod val="50000"/>
-                    <a:lumOff val="50000"/>
+                    <a:lumMod val="75000"/>
+                    <a:lumOff val="25000"/>
                   </a:schemeClr>
                 </a:solidFill>
                 <a:latin typeface="나눔바른고딕" panose="020B0603020101020101" pitchFamily="50" charset="-127"/>
@@ -6397,8 +6713,8 @@
               <a:rPr lang="en-US" altLang="ko-KR" sz="2800" spc="-150" dirty="0">
                 <a:solidFill>
                   <a:schemeClr val="tx1">
-                    <a:lumMod val="50000"/>
-                    <a:lumOff val="50000"/>
+                    <a:lumMod val="75000"/>
+                    <a:lumOff val="25000"/>
                   </a:schemeClr>
                 </a:solidFill>
                 <a:latin typeface="나눔바른고딕" panose="020B0603020101020101" pitchFamily="50" charset="-127"/>
@@ -6410,8 +6726,8 @@
               <a:rPr lang="ko-KR" altLang="en-US" sz="2800" spc="-150" dirty="0">
                 <a:solidFill>
                   <a:schemeClr val="tx1">
-                    <a:lumMod val="50000"/>
-                    <a:lumOff val="50000"/>
+                    <a:lumMod val="75000"/>
+                    <a:lumOff val="25000"/>
                   </a:schemeClr>
                 </a:solidFill>
                 <a:latin typeface="나눔바른고딕" panose="020B0603020101020101" pitchFamily="50" charset="-127"/>
@@ -6423,8 +6739,8 @@
               <a:rPr lang="en-US" altLang="ko-KR" sz="2800" spc="-150" dirty="0">
                 <a:solidFill>
                   <a:schemeClr val="tx1">
-                    <a:lumMod val="50000"/>
-                    <a:lumOff val="50000"/>
+                    <a:lumMod val="75000"/>
+                    <a:lumOff val="25000"/>
                   </a:schemeClr>
                 </a:solidFill>
                 <a:latin typeface="나눔바른고딕" panose="020B0603020101020101" pitchFamily="50" charset="-127"/>
@@ -6445,6 +6761,18 @@
   <p:clrMapOvr>
     <a:masterClrMapping/>
   </p:clrMapOvr>
+  <mc:AlternateContent xmlns:mc="http://schemas.openxmlformats.org/markup-compatibility/2006" xmlns:p159="http://schemas.microsoft.com/office/powerpoint/2015/09/main">
+    <mc:Choice Requires="p159">
+      <p:transition xmlns:p14="http://schemas.microsoft.com/office/powerpoint/2010/main" spd="slow" p14:dur="2000">
+        <p159:morph option="byObject"/>
+      </p:transition>
+    </mc:Choice>
+    <mc:Fallback xmlns="">
+      <p:transition spd="slow">
+        <p:fade/>
+      </p:transition>
+    </mc:Fallback>
+  </mc:AlternateContent>
   <p:timing>
     <p:tnLst>
       <p:par>
@@ -6661,11 +6989,11 @@
           </a:lstStyle>
           <a:p>
             <a:r>
-              <a:rPr lang="ko-KR" altLang="en-US" sz="4600" spc="-150" dirty="0">
+              <a:rPr lang="ko-KR" altLang="en-US" sz="3600" spc="-150" dirty="0">
                 <a:solidFill>
                   <a:schemeClr val="tx1">
-                    <a:lumMod val="50000"/>
-                    <a:lumOff val="50000"/>
+                    <a:lumMod val="75000"/>
+                    <a:lumOff val="25000"/>
                   </a:schemeClr>
                 </a:solidFill>
                 <a:latin typeface="나눔바른고딕" panose="020B0603020101020101" pitchFamily="50" charset="-127"/>
@@ -6686,6 +7014,18 @@
   <p:clrMapOvr>
     <a:masterClrMapping/>
   </p:clrMapOvr>
+  <mc:AlternateContent xmlns:mc="http://schemas.openxmlformats.org/markup-compatibility/2006" xmlns:p159="http://schemas.microsoft.com/office/powerpoint/2015/09/main">
+    <mc:Choice Requires="p159">
+      <p:transition xmlns:p14="http://schemas.microsoft.com/office/powerpoint/2010/main" spd="slow" p14:dur="2000">
+        <p159:morph option="byObject"/>
+      </p:transition>
+    </mc:Choice>
+    <mc:Fallback xmlns="">
+      <p:transition spd="slow">
+        <p:fade/>
+      </p:transition>
+    </mc:Fallback>
+  </mc:AlternateContent>
   <p:timing>
     <p:tnLst>
       <p:par>
@@ -6858,8 +7198,8 @@
         </p:nvSpPr>
         <p:spPr>
           <a:xfrm>
-            <a:off x="2142288" y="1088740"/>
-            <a:ext cx="4859424" cy="4680520"/>
+            <a:off x="2142288" y="2204864"/>
+            <a:ext cx="4859424" cy="2448272"/>
           </a:xfrm>
           <a:prstGeom prst="rect">
             <a:avLst/>
@@ -6898,50 +7238,38 @@
                 <a:spcPct val="120000"/>
               </a:lnSpc>
             </a:pPr>
-            <a:br>
+            <a:r>
               <a:rPr lang="en-US" altLang="ko-KR" sz="2800" spc="-150" dirty="0">
                 <a:solidFill>
                   <a:schemeClr val="tx1">
-                    <a:lumMod val="50000"/>
-                    <a:lumOff val="50000"/>
-                  </a:schemeClr>
-                </a:solidFill>
-                <a:latin typeface="나눔바른고딕" panose="020B0603020101020101" pitchFamily="50" charset="-127"/>
-                <a:ea typeface="나눔바른고딕" panose="020B0603020101020101" pitchFamily="50" charset="-127"/>
-              </a:rPr>
-            </a:br>
+                    <a:lumMod val="75000"/>
+                    <a:lumOff val="25000"/>
+                  </a:schemeClr>
+                </a:solidFill>
+                <a:latin typeface="나눔바른고딕" panose="020B0603020101020101" pitchFamily="50" charset="-127"/>
+                <a:ea typeface="나눔바른고딕" panose="020B0603020101020101" pitchFamily="50" charset="-127"/>
+              </a:rPr>
+              <a:t>for </a:t>
+            </a:r>
+            <a:r>
+              <a:rPr lang="en-US" altLang="ko-KR" sz="2800" spc="-150" dirty="0" err="1">
+                <a:solidFill>
+                  <a:schemeClr val="tx1">
+                    <a:lumMod val="75000"/>
+                    <a:lumOff val="25000"/>
+                  </a:schemeClr>
+                </a:solidFill>
+                <a:latin typeface="나눔바른고딕" panose="020B0603020101020101" pitchFamily="50" charset="-127"/>
+                <a:ea typeface="나눔바른고딕" panose="020B0603020101020101" pitchFamily="50" charset="-127"/>
+              </a:rPr>
+              <a:t>i</a:t>
+            </a:r>
             <a:r>
               <a:rPr lang="en-US" altLang="ko-KR" sz="2800" spc="-150" dirty="0">
                 <a:solidFill>
                   <a:schemeClr val="tx1">
-                    <a:lumMod val="50000"/>
-                    <a:lumOff val="50000"/>
-                  </a:schemeClr>
-                </a:solidFill>
-                <a:latin typeface="나눔바른고딕" panose="020B0603020101020101" pitchFamily="50" charset="-127"/>
-                <a:ea typeface="나눔바른고딕" panose="020B0603020101020101" pitchFamily="50" charset="-127"/>
-              </a:rPr>
-              <a:t>for </a:t>
-            </a:r>
-            <a:r>
-              <a:rPr lang="en-US" altLang="ko-KR" sz="2800" spc="-150" dirty="0" err="1">
-                <a:solidFill>
-                  <a:schemeClr val="tx1">
-                    <a:lumMod val="50000"/>
-                    <a:lumOff val="50000"/>
-                  </a:schemeClr>
-                </a:solidFill>
-                <a:latin typeface="나눔바른고딕" panose="020B0603020101020101" pitchFamily="50" charset="-127"/>
-                <a:ea typeface="나눔바른고딕" panose="020B0603020101020101" pitchFamily="50" charset="-127"/>
-              </a:rPr>
-              <a:t>i</a:t>
-            </a:r>
-            <a:r>
-              <a:rPr lang="en-US" altLang="ko-KR" sz="2800" spc="-150" dirty="0">
-                <a:solidFill>
-                  <a:schemeClr val="tx1">
-                    <a:lumMod val="50000"/>
-                    <a:lumOff val="50000"/>
+                    <a:lumMod val="75000"/>
+                    <a:lumOff val="25000"/>
                   </a:schemeClr>
                 </a:solidFill>
                 <a:latin typeface="나눔바른고딕" panose="020B0603020101020101" pitchFamily="50" charset="-127"/>
@@ -6960,8 +7288,8 @@
               <a:rPr lang="en-US" altLang="ko-KR" sz="2800" spc="-150" dirty="0">
                 <a:solidFill>
                   <a:schemeClr val="tx1">
-                    <a:lumMod val="50000"/>
-                    <a:lumOff val="50000"/>
+                    <a:lumMod val="75000"/>
+                    <a:lumOff val="25000"/>
                   </a:schemeClr>
                 </a:solidFill>
                 <a:latin typeface="나눔바른고딕" panose="020B0603020101020101" pitchFamily="50" charset="-127"/>
@@ -6973,8 +7301,8 @@
               <a:rPr lang="en-US" altLang="ko-KR" sz="2800" spc="-150" dirty="0" err="1">
                 <a:solidFill>
                   <a:schemeClr val="tx1">
-                    <a:lumMod val="50000"/>
-                    <a:lumOff val="50000"/>
+                    <a:lumMod val="75000"/>
+                    <a:lumOff val="25000"/>
                   </a:schemeClr>
                 </a:solidFill>
                 <a:latin typeface="나눔바른고딕" panose="020B0603020101020101" pitchFamily="50" charset="-127"/>
@@ -6986,8 +7314,8 @@
               <a:rPr lang="en-US" altLang="ko-KR" sz="2800" spc="-150" dirty="0">
                 <a:solidFill>
                   <a:schemeClr val="tx1">
-                    <a:lumMod val="50000"/>
-                    <a:lumOff val="50000"/>
+                    <a:lumMod val="75000"/>
+                    <a:lumOff val="25000"/>
                   </a:schemeClr>
                 </a:solidFill>
                 <a:latin typeface="나눔바른고딕" panose="020B0603020101020101" pitchFamily="50" charset="-127"/>
@@ -7006,14 +7334,26 @@
               <a:rPr lang="en-US" altLang="ko-KR" sz="2800" spc="-150" dirty="0">
                 <a:solidFill>
                   <a:schemeClr val="tx1">
-                    <a:lumMod val="50000"/>
-                    <a:lumOff val="50000"/>
-                  </a:schemeClr>
-                </a:solidFill>
-                <a:latin typeface="나눔바른고딕" panose="020B0603020101020101" pitchFamily="50" charset="-127"/>
-                <a:ea typeface="나눔바른고딕" panose="020B0603020101020101" pitchFamily="50" charset="-127"/>
-              </a:rPr>
-              <a:t>		break</a:t>
+                    <a:lumMod val="75000"/>
+                    <a:lumOff val="25000"/>
+                  </a:schemeClr>
+                </a:solidFill>
+                <a:latin typeface="나눔바른고딕" panose="020B0603020101020101" pitchFamily="50" charset="-127"/>
+                <a:ea typeface="나눔바른고딕" panose="020B0603020101020101" pitchFamily="50" charset="-127"/>
+              </a:rPr>
+              <a:t>		</a:t>
+            </a:r>
+            <a:r>
+              <a:rPr lang="en-US" altLang="ko-KR" sz="2800" spc="-150" dirty="0">
+                <a:solidFill>
+                  <a:schemeClr val="accent6">
+                    <a:lumMod val="75000"/>
+                  </a:schemeClr>
+                </a:solidFill>
+                <a:latin typeface="나눔바른고딕" panose="020B0603020101020101" pitchFamily="50" charset="-127"/>
+                <a:ea typeface="나눔바른고딕" panose="020B0603020101020101" pitchFamily="50" charset="-127"/>
+              </a:rPr>
+              <a:t>break</a:t>
             </a:r>
           </a:p>
           <a:p>
@@ -7026,8 +7366,8 @@
               <a:rPr lang="en-US" altLang="ko-KR" sz="2800" spc="-150" dirty="0">
                 <a:solidFill>
                   <a:schemeClr val="tx1">
-                    <a:lumMod val="50000"/>
-                    <a:lumOff val="50000"/>
+                    <a:lumMod val="75000"/>
+                    <a:lumOff val="25000"/>
                   </a:schemeClr>
                 </a:solidFill>
                 <a:latin typeface="나눔바른고딕" panose="020B0603020101020101" pitchFamily="50" charset="-127"/>
@@ -7039,8 +7379,8 @@
               <a:rPr lang="en-US" altLang="ko-KR" sz="2800" spc="-150" dirty="0" err="1">
                 <a:solidFill>
                   <a:schemeClr val="tx1">
-                    <a:lumMod val="50000"/>
-                    <a:lumOff val="50000"/>
+                    <a:lumMod val="75000"/>
+                    <a:lumOff val="25000"/>
                   </a:schemeClr>
                 </a:solidFill>
                 <a:latin typeface="나눔바른고딕" panose="020B0603020101020101" pitchFamily="50" charset="-127"/>
@@ -7052,8 +7392,8 @@
               <a:rPr lang="en-US" altLang="ko-KR" sz="2800" spc="-150" dirty="0">
                 <a:solidFill>
                   <a:schemeClr val="tx1">
-                    <a:lumMod val="50000"/>
-                    <a:lumOff val="50000"/>
+                    <a:lumMod val="75000"/>
+                    <a:lumOff val="25000"/>
                   </a:schemeClr>
                 </a:solidFill>
                 <a:latin typeface="나눔바른고딕" panose="020B0603020101020101" pitchFamily="50" charset="-127"/>
@@ -7065,8 +7405,8 @@
               <a:rPr lang="ko-KR" altLang="en-US" sz="2800" spc="-150" dirty="0">
                 <a:solidFill>
                   <a:schemeClr val="tx1">
-                    <a:lumMod val="50000"/>
-                    <a:lumOff val="50000"/>
+                    <a:lumMod val="75000"/>
+                    <a:lumOff val="25000"/>
                   </a:schemeClr>
                 </a:solidFill>
                 <a:latin typeface="나눔바른고딕" panose="020B0603020101020101" pitchFamily="50" charset="-127"/>
@@ -7078,8 +7418,8 @@
               <a:rPr lang="en-US" altLang="ko-KR" sz="2800" spc="-150" dirty="0">
                 <a:solidFill>
                   <a:schemeClr val="tx1">
-                    <a:lumMod val="50000"/>
-                    <a:lumOff val="50000"/>
+                    <a:lumMod val="75000"/>
+                    <a:lumOff val="25000"/>
                   </a:schemeClr>
                 </a:solidFill>
                 <a:latin typeface="나눔바른고딕" panose="020B0603020101020101" pitchFamily="50" charset="-127"/>
@@ -7100,6 +7440,18 @@
   <p:clrMapOvr>
     <a:masterClrMapping/>
   </p:clrMapOvr>
+  <mc:AlternateContent xmlns:mc="http://schemas.openxmlformats.org/markup-compatibility/2006" xmlns:p159="http://schemas.microsoft.com/office/powerpoint/2015/09/main">
+    <mc:Choice Requires="p159">
+      <p:transition xmlns:p14="http://schemas.microsoft.com/office/powerpoint/2010/main" spd="slow" p14:dur="2000">
+        <p159:morph option="byObject"/>
+      </p:transition>
+    </mc:Choice>
+    <mc:Fallback xmlns="">
+      <p:transition spd="slow">
+        <p:fade/>
+      </p:transition>
+    </mc:Fallback>
+  </mc:AlternateContent>
   <p:timing>
     <p:tnLst>
       <p:par>
@@ -7308,11 +7660,11 @@
           </a:lstStyle>
           <a:p>
             <a:r>
-              <a:rPr lang="ko-KR" altLang="en-US" sz="4600" spc="-150" dirty="0">
+              <a:rPr lang="ko-KR" altLang="en-US" sz="3600" spc="-150" dirty="0">
                 <a:solidFill>
                   <a:schemeClr val="tx1">
-                    <a:lumMod val="50000"/>
-                    <a:lumOff val="50000"/>
+                    <a:lumMod val="75000"/>
+                    <a:lumOff val="25000"/>
                   </a:schemeClr>
                 </a:solidFill>
                 <a:latin typeface="나눔바른고딕" panose="020B0603020101020101" pitchFamily="50" charset="-127"/>
@@ -7333,6 +7685,18 @@
   <p:clrMapOvr>
     <a:masterClrMapping/>
   </p:clrMapOvr>
+  <mc:AlternateContent xmlns:mc="http://schemas.openxmlformats.org/markup-compatibility/2006" xmlns:p159="http://schemas.microsoft.com/office/powerpoint/2015/09/main">
+    <mc:Choice Requires="p159">
+      <p:transition xmlns:p14="http://schemas.microsoft.com/office/powerpoint/2010/main" spd="slow" p14:dur="2000">
+        <p159:morph option="byObject"/>
+      </p:transition>
+    </mc:Choice>
+    <mc:Fallback xmlns="">
+      <p:transition spd="slow">
+        <p:fade/>
+      </p:transition>
+    </mc:Fallback>
+  </mc:AlternateContent>
   <p:timing>
     <p:tnLst>
       <p:par>
@@ -7446,6 +7810,58 @@
       </p:grpSpPr>
       <p:sp>
         <p:nvSpPr>
+          <p:cNvPr id="6" name="직사각형 5">
+            <a:extLst>
+              <a:ext uri="{FF2B5EF4-FFF2-40B4-BE49-F238E27FC236}">
+                <a16:creationId xmlns:a16="http://schemas.microsoft.com/office/drawing/2014/main" id="{539E4D2D-EBC4-4C17-AEB7-3C30674CFF11}"/>
+              </a:ext>
+            </a:extLst>
+          </p:cNvPr>
+          <p:cNvSpPr/>
+          <p:nvPr/>
+        </p:nvSpPr>
+        <p:spPr>
+          <a:xfrm>
+            <a:off x="-1" y="3429000"/>
+            <a:ext cx="9144000" cy="3429000"/>
+          </a:xfrm>
+          <a:prstGeom prst="rect">
+            <a:avLst/>
+          </a:prstGeom>
+          <a:solidFill>
+            <a:srgbClr val="1E1E1E"/>
+          </a:solidFill>
+          <a:ln>
+            <a:noFill/>
+          </a:ln>
+        </p:spPr>
+        <p:style>
+          <a:lnRef idx="2">
+            <a:schemeClr val="accent1">
+              <a:shade val="50000"/>
+            </a:schemeClr>
+          </a:lnRef>
+          <a:fillRef idx="1">
+            <a:schemeClr val="accent1"/>
+          </a:fillRef>
+          <a:effectRef idx="0">
+            <a:schemeClr val="accent1"/>
+          </a:effectRef>
+          <a:fontRef idx="minor">
+            <a:schemeClr val="lt1"/>
+          </a:fontRef>
+        </p:style>
+        <p:txBody>
+          <a:bodyPr rtlCol="0" anchor="ctr"/>
+          <a:lstStyle/>
+          <a:p>
+            <a:pPr algn="ctr"/>
+            <a:endParaRPr lang="ko-KR" altLang="en-US"/>
+          </a:p>
+        </p:txBody>
+      </p:sp>
+      <p:sp>
+        <p:nvSpPr>
           <p:cNvPr id="4" name="제목 1"/>
           <p:cNvSpPr txBox="1">
             <a:spLocks/>
@@ -7505,8 +7921,8 @@
         </p:nvSpPr>
         <p:spPr>
           <a:xfrm>
-            <a:off x="791580" y="0"/>
-            <a:ext cx="7560840" cy="6858000"/>
+            <a:off x="685800" y="692696"/>
+            <a:ext cx="7772400" cy="1887141"/>
           </a:xfrm>
           <a:prstGeom prst="rect">
             <a:avLst/>
@@ -7540,517 +7956,189 @@
             </a:lvl1pPr>
           </a:lstStyle>
           <a:p>
-            <a:pPr algn="l">
-              <a:lnSpc>
-                <a:spcPct val="120000"/>
-              </a:lnSpc>
-            </a:pPr>
-            <a:r>
-              <a:rPr lang="en-US" altLang="ko-KR" sz="2400" spc="-150" dirty="0">
+            <a:r>
+              <a:rPr lang="ko-KR" altLang="en-US" sz="2800" spc="-150" dirty="0">
                 <a:solidFill>
                   <a:schemeClr val="tx1">
-                    <a:lumMod val="50000"/>
-                    <a:lumOff val="50000"/>
-                  </a:schemeClr>
-                </a:solidFill>
-                <a:latin typeface="나눔바른고딕" panose="020B0603020101020101" pitchFamily="50" charset="-127"/>
-                <a:ea typeface="나눔바른고딕" panose="020B0603020101020101" pitchFamily="50" charset="-127"/>
-              </a:rPr>
-              <a:t>while True:</a:t>
-            </a:r>
-          </a:p>
-          <a:p>
-            <a:pPr algn="l">
-              <a:lnSpc>
-                <a:spcPct val="120000"/>
-              </a:lnSpc>
-            </a:pPr>
-            <a:r>
-              <a:rPr lang="en-US" altLang="ko-KR" sz="2400" spc="-150" dirty="0">
+                    <a:lumMod val="75000"/>
+                    <a:lumOff val="25000"/>
+                  </a:schemeClr>
+                </a:solidFill>
+                <a:latin typeface="나눔바른고딕" panose="020B0603020101020101" pitchFamily="50" charset="-127"/>
+                <a:ea typeface="나눔바른고딕" panose="020B0603020101020101" pitchFamily="50" charset="-127"/>
+              </a:rPr>
+              <a:t>다음과 같이 프로그램이 동작하도록</a:t>
+            </a:r>
+            <a:endParaRPr lang="en-US" altLang="ko-KR" sz="2800" spc="-150" dirty="0">
+              <a:solidFill>
+                <a:schemeClr val="tx1">
+                  <a:lumMod val="75000"/>
+                  <a:lumOff val="25000"/>
+                </a:schemeClr>
+              </a:solidFill>
+              <a:latin typeface="나눔바른고딕" panose="020B0603020101020101" pitchFamily="50" charset="-127"/>
+              <a:ea typeface="나눔바른고딕" panose="020B0603020101020101" pitchFamily="50" charset="-127"/>
+            </a:endParaRPr>
+          </a:p>
+          <a:p>
+            <a:r>
+              <a:rPr lang="ko-KR" altLang="en-US" sz="2800" spc="-150" dirty="0">
                 <a:solidFill>
                   <a:schemeClr val="tx1">
-                    <a:lumMod val="50000"/>
-                    <a:lumOff val="50000"/>
-                  </a:schemeClr>
-                </a:solidFill>
-                <a:latin typeface="나눔바른고딕" panose="020B0603020101020101" pitchFamily="50" charset="-127"/>
-                <a:ea typeface="나눔바른고딕" panose="020B0603020101020101" pitchFamily="50" charset="-127"/>
-              </a:rPr>
-              <a:t>	select = int(input("</a:t>
-            </a:r>
-            <a:r>
-              <a:rPr lang="ko-KR" altLang="en-US" sz="2400" spc="-150" dirty="0">
+                    <a:lumMod val="75000"/>
+                    <a:lumOff val="25000"/>
+                  </a:schemeClr>
+                </a:solidFill>
+                <a:latin typeface="나눔바른고딕" panose="020B0603020101020101" pitchFamily="50" charset="-127"/>
+                <a:ea typeface="나눔바른고딕" panose="020B0603020101020101" pitchFamily="50" charset="-127"/>
+              </a:rPr>
+              <a:t>코드를 작성해 보세요</a:t>
+            </a:r>
+            <a:r>
+              <a:rPr lang="en-US" altLang="ko-KR" sz="2800" spc="-150" dirty="0">
                 <a:solidFill>
                   <a:schemeClr val="tx1">
-                    <a:lumMod val="50000"/>
-                    <a:lumOff val="50000"/>
-                  </a:schemeClr>
-                </a:solidFill>
-                <a:latin typeface="나눔바른고딕" panose="020B0603020101020101" pitchFamily="50" charset="-127"/>
-                <a:ea typeface="나눔바른고딕" panose="020B0603020101020101" pitchFamily="50" charset="-127"/>
-              </a:rPr>
-              <a:t>메뉴를 입력하세요</a:t>
-            </a:r>
-            <a:r>
-              <a:rPr lang="en-US" altLang="ko-KR" sz="2400" spc="-150" dirty="0">
+                    <a:lumMod val="75000"/>
+                    <a:lumOff val="25000"/>
+                  </a:schemeClr>
+                </a:solidFill>
+                <a:latin typeface="나눔바른고딕" panose="020B0603020101020101" pitchFamily="50" charset="-127"/>
+                <a:ea typeface="나눔바른고딕" panose="020B0603020101020101" pitchFamily="50" charset="-127"/>
+              </a:rPr>
+              <a:t>. </a:t>
+            </a:r>
+          </a:p>
+        </p:txBody>
+      </p:sp>
+      <p:sp>
+        <p:nvSpPr>
+          <p:cNvPr id="8" name="제목 1">
+            <a:extLst>
+              <a:ext uri="{FF2B5EF4-FFF2-40B4-BE49-F238E27FC236}">
+                <a16:creationId xmlns:a16="http://schemas.microsoft.com/office/drawing/2014/main" id="{8CE7E8C9-3E43-47BC-95AB-A899E6242633}"/>
+              </a:ext>
+            </a:extLst>
+          </p:cNvPr>
+          <p:cNvSpPr txBox="1">
+            <a:spLocks/>
+          </p:cNvSpPr>
+          <p:nvPr/>
+        </p:nvSpPr>
+        <p:spPr>
+          <a:xfrm>
+            <a:off x="467544" y="332657"/>
+            <a:ext cx="8208912" cy="432048"/>
+          </a:xfrm>
+          <a:prstGeom prst="rect">
+            <a:avLst/>
+          </a:prstGeom>
+          <a:ln>
+            <a:solidFill>
+              <a:schemeClr val="accent1">
+                <a:alpha val="0"/>
+              </a:schemeClr>
+            </a:solidFill>
+          </a:ln>
+        </p:spPr>
+        <p:txBody>
+          <a:bodyPr vert="horz" lIns="91440" tIns="45720" rIns="91440" bIns="45720" rtlCol="0" anchor="ctr">
+            <a:normAutofit fontScale="77500" lnSpcReduction="20000"/>
+          </a:bodyPr>
+          <a:lstStyle>
+            <a:lvl1pPr algn="ctr" defTabSz="914400" rtl="0" eaLnBrk="1" latinLnBrk="1" hangingPunct="1">
+              <a:spcBef>
+                <a:spcPct val="0"/>
+              </a:spcBef>
+              <a:buNone/>
+              <a:defRPr sz="4400" kern="1200">
+                <a:solidFill>
+                  <a:schemeClr val="tx1"/>
+                </a:solidFill>
+                <a:latin typeface="+mj-lt"/>
+                <a:ea typeface="+mj-ea"/>
+                <a:cs typeface="+mj-cs"/>
+              </a:defRPr>
+            </a:lvl1pPr>
+          </a:lstStyle>
+          <a:p>
+            <a:r>
+              <a:rPr lang="en-US" altLang="ko-KR" sz="3200" spc="-150" dirty="0">
                 <a:solidFill>
                   <a:schemeClr val="tx1">
-                    <a:lumMod val="50000"/>
-                    <a:lumOff val="50000"/>
-                  </a:schemeClr>
-                </a:solidFill>
-                <a:latin typeface="나눔바른고딕" panose="020B0603020101020101" pitchFamily="50" charset="-127"/>
-                <a:ea typeface="나눔바른고딕" panose="020B0603020101020101" pitchFamily="50" charset="-127"/>
-              </a:rPr>
-              <a:t> </a:t>
-            </a:r>
-          </a:p>
-          <a:p>
-            <a:pPr algn="l">
-              <a:lnSpc>
-                <a:spcPct val="120000"/>
-              </a:lnSpc>
-            </a:pPr>
-            <a:r>
-              <a:rPr lang="en-US" altLang="ko-KR" sz="2400" spc="-150" dirty="0">
-                <a:solidFill>
-                  <a:schemeClr val="tx1">
-                    <a:lumMod val="50000"/>
-                    <a:lumOff val="50000"/>
-                  </a:schemeClr>
-                </a:solidFill>
-                <a:latin typeface="나눔바른고딕" panose="020B0603020101020101" pitchFamily="50" charset="-127"/>
-                <a:ea typeface="나눔바른고딕" panose="020B0603020101020101" pitchFamily="50" charset="-127"/>
-              </a:rPr>
-              <a:t>			      1. </a:t>
-            </a:r>
-            <a:r>
-              <a:rPr lang="ko-KR" altLang="en-US" sz="2400" spc="-150" dirty="0">
-                <a:solidFill>
-                  <a:schemeClr val="tx1">
-                    <a:lumMod val="50000"/>
-                    <a:lumOff val="50000"/>
-                  </a:schemeClr>
-                </a:solidFill>
-                <a:latin typeface="나눔바른고딕" panose="020B0603020101020101" pitchFamily="50" charset="-127"/>
-                <a:ea typeface="나눔바른고딕" panose="020B0603020101020101" pitchFamily="50" charset="-127"/>
-              </a:rPr>
-              <a:t>게임시작 </a:t>
-            </a:r>
-            <a:r>
-              <a:rPr lang="en-US" altLang="ko-KR" sz="2400" spc="-150" dirty="0">
-                <a:solidFill>
-                  <a:schemeClr val="tx1">
-                    <a:lumMod val="50000"/>
-                    <a:lumOff val="50000"/>
-                  </a:schemeClr>
-                </a:solidFill>
-                <a:latin typeface="나눔바른고딕" panose="020B0603020101020101" pitchFamily="50" charset="-127"/>
-                <a:ea typeface="나눔바른고딕" panose="020B0603020101020101" pitchFamily="50" charset="-127"/>
-              </a:rPr>
-              <a:t>2. </a:t>
-            </a:r>
-            <a:r>
-              <a:rPr lang="ko-KR" altLang="en-US" sz="2400" spc="-150" dirty="0">
-                <a:solidFill>
-                  <a:schemeClr val="tx1">
-                    <a:lumMod val="50000"/>
-                    <a:lumOff val="50000"/>
-                  </a:schemeClr>
-                </a:solidFill>
-                <a:latin typeface="나눔바른고딕" panose="020B0603020101020101" pitchFamily="50" charset="-127"/>
-                <a:ea typeface="나눔바른고딕" panose="020B0603020101020101" pitchFamily="50" charset="-127"/>
-              </a:rPr>
-              <a:t>랭킹보기 </a:t>
-            </a:r>
-            <a:r>
-              <a:rPr lang="en-US" altLang="ko-KR" sz="2400" spc="-150" dirty="0">
-                <a:solidFill>
-                  <a:schemeClr val="tx1">
-                    <a:lumMod val="50000"/>
-                    <a:lumOff val="50000"/>
-                  </a:schemeClr>
-                </a:solidFill>
-                <a:latin typeface="나눔바른고딕" panose="020B0603020101020101" pitchFamily="50" charset="-127"/>
-                <a:ea typeface="나눔바른고딕" panose="020B0603020101020101" pitchFamily="50" charset="-127"/>
-              </a:rPr>
-              <a:t>3. </a:t>
-            </a:r>
-            <a:r>
-              <a:rPr lang="ko-KR" altLang="en-US" sz="2400" spc="-150" dirty="0">
-                <a:solidFill>
-                  <a:schemeClr val="tx1">
-                    <a:lumMod val="50000"/>
-                    <a:lumOff val="50000"/>
-                  </a:schemeClr>
-                </a:solidFill>
-                <a:latin typeface="나눔바른고딕" panose="020B0603020101020101" pitchFamily="50" charset="-127"/>
-                <a:ea typeface="나눔바른고딕" panose="020B0603020101020101" pitchFamily="50" charset="-127"/>
-              </a:rPr>
-              <a:t>게임종료</a:t>
-            </a:r>
-            <a:r>
-              <a:rPr lang="en-US" altLang="ko-KR" sz="2400" spc="-150" dirty="0">
-                <a:solidFill>
-                  <a:schemeClr val="tx1">
-                    <a:lumMod val="50000"/>
-                    <a:lumOff val="50000"/>
-                  </a:schemeClr>
-                </a:solidFill>
-                <a:latin typeface="나눔바른고딕" panose="020B0603020101020101" pitchFamily="50" charset="-127"/>
-                <a:ea typeface="나눔바른고딕" panose="020B0603020101020101" pitchFamily="50" charset="-127"/>
-              </a:rPr>
-              <a:t>"))</a:t>
-            </a:r>
-          </a:p>
-          <a:p>
-            <a:pPr algn="l">
-              <a:lnSpc>
-                <a:spcPct val="120000"/>
-              </a:lnSpc>
-            </a:pPr>
-            <a:r>
-              <a:rPr lang="en-US" altLang="ko-KR" sz="2400" spc="-150" dirty="0">
-                <a:solidFill>
-                  <a:schemeClr val="tx1">
-                    <a:lumMod val="50000"/>
-                    <a:lumOff val="50000"/>
-                  </a:schemeClr>
-                </a:solidFill>
-                <a:latin typeface="나눔바른고딕" panose="020B0603020101020101" pitchFamily="50" charset="-127"/>
-                <a:ea typeface="나눔바른고딕" panose="020B0603020101020101" pitchFamily="50" charset="-127"/>
-              </a:rPr>
-              <a:t>	if select == 1:</a:t>
-            </a:r>
-          </a:p>
-          <a:p>
-            <a:pPr algn="l">
-              <a:lnSpc>
-                <a:spcPct val="120000"/>
-              </a:lnSpc>
-            </a:pPr>
-            <a:r>
-              <a:rPr lang="en-US" altLang="ko-KR" sz="2400" spc="-150" dirty="0">
-                <a:solidFill>
-                  <a:schemeClr val="tx1">
-                    <a:lumMod val="50000"/>
-                    <a:lumOff val="50000"/>
-                  </a:schemeClr>
-                </a:solidFill>
-                <a:latin typeface="나눔바른고딕" panose="020B0603020101020101" pitchFamily="50" charset="-127"/>
-                <a:ea typeface="나눔바른고딕" panose="020B0603020101020101" pitchFamily="50" charset="-127"/>
-              </a:rPr>
-              <a:t>		print("</a:t>
-            </a:r>
-            <a:r>
-              <a:rPr lang="ko-KR" altLang="en-US" sz="2400" spc="-150" dirty="0">
-                <a:solidFill>
-                  <a:schemeClr val="tx1">
-                    <a:lumMod val="50000"/>
-                    <a:lumOff val="50000"/>
-                  </a:schemeClr>
-                </a:solidFill>
-                <a:latin typeface="나눔바른고딕" panose="020B0603020101020101" pitchFamily="50" charset="-127"/>
-                <a:ea typeface="나눔바른고딕" panose="020B0603020101020101" pitchFamily="50" charset="-127"/>
-              </a:rPr>
-              <a:t>게임을 시작합니다</a:t>
-            </a:r>
-            <a:r>
-              <a:rPr lang="en-US" altLang="ko-KR" sz="2400" spc="-150" dirty="0">
-                <a:solidFill>
-                  <a:schemeClr val="tx1">
-                    <a:lumMod val="50000"/>
-                    <a:lumOff val="50000"/>
-                  </a:schemeClr>
-                </a:solidFill>
-                <a:latin typeface="나눔바른고딕" panose="020B0603020101020101" pitchFamily="50" charset="-127"/>
-                <a:ea typeface="나눔바른고딕" panose="020B0603020101020101" pitchFamily="50" charset="-127"/>
-              </a:rPr>
-              <a:t>")</a:t>
-            </a:r>
-          </a:p>
-          <a:p>
-            <a:pPr algn="l">
-              <a:lnSpc>
-                <a:spcPct val="120000"/>
-              </a:lnSpc>
-            </a:pPr>
-            <a:r>
-              <a:rPr lang="en-US" altLang="ko-KR" sz="2400" spc="-150" dirty="0">
-                <a:solidFill>
-                  <a:schemeClr val="tx1">
-                    <a:lumMod val="50000"/>
-                    <a:lumOff val="50000"/>
-                  </a:schemeClr>
-                </a:solidFill>
-                <a:latin typeface="나눔바른고딕" panose="020B0603020101020101" pitchFamily="50" charset="-127"/>
-                <a:ea typeface="나눔바른고딕" panose="020B0603020101020101" pitchFamily="50" charset="-127"/>
-              </a:rPr>
-              <a:t>	</a:t>
-            </a:r>
-            <a:r>
-              <a:rPr lang="en-US" altLang="ko-KR" sz="2400" spc="-150" dirty="0" err="1">
-                <a:solidFill>
-                  <a:schemeClr val="tx1">
-                    <a:lumMod val="50000"/>
-                    <a:lumOff val="50000"/>
-                  </a:schemeClr>
-                </a:solidFill>
-                <a:latin typeface="나눔바른고딕" panose="020B0603020101020101" pitchFamily="50" charset="-127"/>
-                <a:ea typeface="나눔바른고딕" panose="020B0603020101020101" pitchFamily="50" charset="-127"/>
-              </a:rPr>
-              <a:t>elif</a:t>
-            </a:r>
-            <a:r>
-              <a:rPr lang="en-US" altLang="ko-KR" sz="2400" spc="-150" dirty="0">
-                <a:solidFill>
-                  <a:schemeClr val="tx1">
-                    <a:lumMod val="50000"/>
-                    <a:lumOff val="50000"/>
-                  </a:schemeClr>
-                </a:solidFill>
-                <a:latin typeface="나눔바른고딕" panose="020B0603020101020101" pitchFamily="50" charset="-127"/>
-                <a:ea typeface="나눔바른고딕" panose="020B0603020101020101" pitchFamily="50" charset="-127"/>
-              </a:rPr>
-              <a:t> select == 2:</a:t>
-            </a:r>
-          </a:p>
-          <a:p>
-            <a:pPr algn="l">
-              <a:lnSpc>
-                <a:spcPct val="120000"/>
-              </a:lnSpc>
-            </a:pPr>
-            <a:r>
-              <a:rPr lang="en-US" altLang="ko-KR" sz="2400" spc="-150" dirty="0">
-                <a:solidFill>
-                  <a:schemeClr val="tx1">
-                    <a:lumMod val="50000"/>
-                    <a:lumOff val="50000"/>
-                  </a:schemeClr>
-                </a:solidFill>
-                <a:latin typeface="나눔바른고딕" panose="020B0603020101020101" pitchFamily="50" charset="-127"/>
-                <a:ea typeface="나눔바른고딕" panose="020B0603020101020101" pitchFamily="50" charset="-127"/>
-              </a:rPr>
-              <a:t>		print("</a:t>
-            </a:r>
-            <a:r>
-              <a:rPr lang="ko-KR" altLang="en-US" sz="2400" spc="-150" dirty="0">
-                <a:solidFill>
-                  <a:schemeClr val="tx1">
-                    <a:lumMod val="50000"/>
-                    <a:lumOff val="50000"/>
-                  </a:schemeClr>
-                </a:solidFill>
-                <a:latin typeface="나눔바른고딕" panose="020B0603020101020101" pitchFamily="50" charset="-127"/>
-                <a:ea typeface="나눔바른고딕" panose="020B0603020101020101" pitchFamily="50" charset="-127"/>
-              </a:rPr>
-              <a:t>랭킹보기</a:t>
-            </a:r>
-            <a:r>
-              <a:rPr lang="en-US" altLang="ko-KR" sz="2400" spc="-150" dirty="0">
-                <a:solidFill>
-                  <a:schemeClr val="tx1">
-                    <a:lumMod val="50000"/>
-                    <a:lumOff val="50000"/>
-                  </a:schemeClr>
-                </a:solidFill>
-                <a:latin typeface="나눔바른고딕" panose="020B0603020101020101" pitchFamily="50" charset="-127"/>
-                <a:ea typeface="나눔바른고딕" panose="020B0603020101020101" pitchFamily="50" charset="-127"/>
-              </a:rPr>
-              <a:t>")</a:t>
-            </a:r>
-          </a:p>
-          <a:p>
-            <a:pPr algn="l">
-              <a:lnSpc>
-                <a:spcPct val="120000"/>
-              </a:lnSpc>
-            </a:pPr>
-            <a:r>
-              <a:rPr lang="en-US" altLang="ko-KR" sz="2400" spc="-150" dirty="0">
-                <a:solidFill>
-                  <a:schemeClr val="tx1">
-                    <a:lumMod val="50000"/>
-                    <a:lumOff val="50000"/>
-                  </a:schemeClr>
-                </a:solidFill>
-                <a:latin typeface="나눔바른고딕" panose="020B0603020101020101" pitchFamily="50" charset="-127"/>
-                <a:ea typeface="나눔바른고딕" panose="020B0603020101020101" pitchFamily="50" charset="-127"/>
-              </a:rPr>
-              <a:t>	</a:t>
-            </a:r>
-            <a:r>
-              <a:rPr lang="en-US" altLang="ko-KR" sz="2400" spc="-150" dirty="0" err="1">
-                <a:solidFill>
-                  <a:schemeClr val="tx1">
-                    <a:lumMod val="50000"/>
-                    <a:lumOff val="50000"/>
-                  </a:schemeClr>
-                </a:solidFill>
-                <a:latin typeface="나눔바른고딕" panose="020B0603020101020101" pitchFamily="50" charset="-127"/>
-                <a:ea typeface="나눔바른고딕" panose="020B0603020101020101" pitchFamily="50" charset="-127"/>
-              </a:rPr>
-              <a:t>elif</a:t>
-            </a:r>
-            <a:r>
-              <a:rPr lang="en-US" altLang="ko-KR" sz="2400" spc="-150" dirty="0">
-                <a:solidFill>
-                  <a:schemeClr val="tx1">
-                    <a:lumMod val="50000"/>
-                    <a:lumOff val="50000"/>
-                  </a:schemeClr>
-                </a:solidFill>
-                <a:latin typeface="나눔바른고딕" panose="020B0603020101020101" pitchFamily="50" charset="-127"/>
-                <a:ea typeface="나눔바른고딕" panose="020B0603020101020101" pitchFamily="50" charset="-127"/>
-              </a:rPr>
-              <a:t> select == 3:</a:t>
-            </a:r>
-          </a:p>
-          <a:p>
-            <a:pPr algn="l">
-              <a:lnSpc>
-                <a:spcPct val="120000"/>
-              </a:lnSpc>
-            </a:pPr>
-            <a:r>
-              <a:rPr lang="en-US" altLang="ko-KR" sz="2400" spc="-150" dirty="0">
-                <a:solidFill>
-                  <a:schemeClr val="tx1">
-                    <a:lumMod val="50000"/>
-                    <a:lumOff val="50000"/>
-                  </a:schemeClr>
-                </a:solidFill>
-                <a:latin typeface="나눔바른고딕" panose="020B0603020101020101" pitchFamily="50" charset="-127"/>
-                <a:ea typeface="나눔바른고딕" panose="020B0603020101020101" pitchFamily="50" charset="-127"/>
-              </a:rPr>
-              <a:t>		print("</a:t>
-            </a:r>
-            <a:r>
-              <a:rPr lang="ko-KR" altLang="en-US" sz="2400" spc="-150" dirty="0">
-                <a:solidFill>
-                  <a:schemeClr val="tx1">
-                    <a:lumMod val="50000"/>
-                    <a:lumOff val="50000"/>
-                  </a:schemeClr>
-                </a:solidFill>
-                <a:latin typeface="나눔바른고딕" panose="020B0603020101020101" pitchFamily="50" charset="-127"/>
-                <a:ea typeface="나눔바른고딕" panose="020B0603020101020101" pitchFamily="50" charset="-127"/>
-              </a:rPr>
-              <a:t>게임을 종료합니다</a:t>
-            </a:r>
-            <a:r>
-              <a:rPr lang="en-US" altLang="ko-KR" sz="2400" spc="-150" dirty="0">
-                <a:solidFill>
-                  <a:schemeClr val="tx1">
-                    <a:lumMod val="50000"/>
-                    <a:lumOff val="50000"/>
-                  </a:schemeClr>
-                </a:solidFill>
-                <a:latin typeface="나눔바른고딕" panose="020B0603020101020101" pitchFamily="50" charset="-127"/>
-                <a:ea typeface="나눔바른고딕" panose="020B0603020101020101" pitchFamily="50" charset="-127"/>
-              </a:rPr>
-              <a:t>")</a:t>
-            </a:r>
-          </a:p>
-          <a:p>
-            <a:pPr algn="l">
-              <a:lnSpc>
-                <a:spcPct val="120000"/>
-              </a:lnSpc>
-            </a:pPr>
-            <a:r>
-              <a:rPr lang="en-US" altLang="ko-KR" sz="2400" spc="-150" dirty="0">
-                <a:solidFill>
-                  <a:schemeClr val="tx1">
-                    <a:lumMod val="50000"/>
-                    <a:lumOff val="50000"/>
-                  </a:schemeClr>
-                </a:solidFill>
-                <a:latin typeface="나눔바른고딕" panose="020B0603020101020101" pitchFamily="50" charset="-127"/>
-                <a:ea typeface="나눔바른고딕" panose="020B0603020101020101" pitchFamily="50" charset="-127"/>
-              </a:rPr>
-              <a:t>		break</a:t>
-            </a:r>
-          </a:p>
-          <a:p>
-            <a:pPr algn="l">
-              <a:lnSpc>
-                <a:spcPct val="120000"/>
-              </a:lnSpc>
-            </a:pPr>
-            <a:r>
-              <a:rPr lang="en-US" altLang="ko-KR" sz="2400" spc="-150" dirty="0">
-                <a:solidFill>
-                  <a:schemeClr val="tx1">
-                    <a:lumMod val="50000"/>
-                    <a:lumOff val="50000"/>
-                  </a:schemeClr>
-                </a:solidFill>
-                <a:latin typeface="나눔바른고딕" panose="020B0603020101020101" pitchFamily="50" charset="-127"/>
-                <a:ea typeface="나눔바른고딕" panose="020B0603020101020101" pitchFamily="50" charset="-127"/>
-              </a:rPr>
-              <a:t>	else:</a:t>
-            </a:r>
-          </a:p>
-          <a:p>
-            <a:pPr algn="l">
-              <a:lnSpc>
-                <a:spcPct val="120000"/>
-              </a:lnSpc>
-            </a:pPr>
-            <a:r>
-              <a:rPr lang="en-US" altLang="ko-KR" sz="2400" spc="-150" dirty="0">
-                <a:solidFill>
-                  <a:schemeClr val="tx1">
-                    <a:lumMod val="50000"/>
-                    <a:lumOff val="50000"/>
-                  </a:schemeClr>
-                </a:solidFill>
-                <a:latin typeface="나눔바른고딕" panose="020B0603020101020101" pitchFamily="50" charset="-127"/>
-                <a:ea typeface="나눔바른고딕" panose="020B0603020101020101" pitchFamily="50" charset="-127"/>
-              </a:rPr>
-              <a:t>		print("</a:t>
-            </a:r>
-            <a:r>
-              <a:rPr lang="ko-KR" altLang="en-US" sz="2400" spc="-150" dirty="0">
-                <a:solidFill>
-                  <a:schemeClr val="tx1">
-                    <a:lumMod val="50000"/>
-                    <a:lumOff val="50000"/>
-                  </a:schemeClr>
-                </a:solidFill>
-                <a:latin typeface="나눔바른고딕" panose="020B0603020101020101" pitchFamily="50" charset="-127"/>
-                <a:ea typeface="나눔바른고딕" panose="020B0603020101020101" pitchFamily="50" charset="-127"/>
-              </a:rPr>
-              <a:t>다시 입력해 주세요</a:t>
-            </a:r>
-            <a:r>
-              <a:rPr lang="en-US" altLang="ko-KR" sz="2400" spc="-150" dirty="0">
-                <a:solidFill>
-                  <a:schemeClr val="tx1">
-                    <a:lumMod val="50000"/>
-                    <a:lumOff val="50000"/>
-                  </a:schemeClr>
-                </a:solidFill>
-                <a:latin typeface="나눔바른고딕" panose="020B0603020101020101" pitchFamily="50" charset="-127"/>
-                <a:ea typeface="나눔바른고딕" panose="020B0603020101020101" pitchFamily="50" charset="-127"/>
-              </a:rPr>
-              <a:t>")</a:t>
-            </a:r>
-          </a:p>
-        </p:txBody>
-      </p:sp>
+                    <a:lumMod val="75000"/>
+                    <a:lumOff val="25000"/>
+                  </a:schemeClr>
+                </a:solidFill>
+                <a:latin typeface="나눔바른고딕" panose="020B0603020101020101" pitchFamily="50" charset="-127"/>
+                <a:ea typeface="나눔바른고딕" panose="020B0603020101020101" pitchFamily="50" charset="-127"/>
+              </a:rPr>
+              <a:t>Q2</a:t>
+            </a:r>
+            <a:endParaRPr lang="ko-KR" altLang="en-US" sz="3200" spc="-150" dirty="0">
+              <a:solidFill>
+                <a:schemeClr val="tx1">
+                  <a:lumMod val="75000"/>
+                  <a:lumOff val="25000"/>
+                </a:schemeClr>
+              </a:solidFill>
+              <a:latin typeface="나눔바른고딕" panose="020B0603020101020101" pitchFamily="50" charset="-127"/>
+              <a:ea typeface="나눔바른고딕" panose="020B0603020101020101" pitchFamily="50" charset="-127"/>
+            </a:endParaRPr>
+          </a:p>
+        </p:txBody>
+      </p:sp>
+      <p:pic>
+        <p:nvPicPr>
+          <p:cNvPr id="14" name="그림 13">
+            <a:extLst>
+              <a:ext uri="{FF2B5EF4-FFF2-40B4-BE49-F238E27FC236}">
+                <a16:creationId xmlns:a16="http://schemas.microsoft.com/office/drawing/2014/main" id="{9049AEE9-30B1-4786-A97E-F53F3AD4D5CB}"/>
+              </a:ext>
+            </a:extLst>
+          </p:cNvPr>
+          <p:cNvPicPr>
+            <a:picLocks noChangeAspect="1"/>
+          </p:cNvPicPr>
+          <p:nvPr/>
+        </p:nvPicPr>
+        <p:blipFill>
+          <a:blip r:embed="rId2"/>
+          <a:stretch>
+            <a:fillRect/>
+          </a:stretch>
+        </p:blipFill>
+        <p:spPr>
+          <a:xfrm>
+            <a:off x="2950861" y="3799798"/>
+            <a:ext cx="3242277" cy="2393390"/>
+          </a:xfrm>
+          <a:prstGeom prst="rect">
+            <a:avLst/>
+          </a:prstGeom>
+        </p:spPr>
+      </p:pic>
     </p:spTree>
     <p:extLst>
       <p:ext uri="{BB962C8B-B14F-4D97-AF65-F5344CB8AC3E}">
-        <p14:creationId xmlns:p14="http://schemas.microsoft.com/office/powerpoint/2010/main" val="447964820"/>
+        <p14:creationId xmlns:p14="http://schemas.microsoft.com/office/powerpoint/2010/main" val="1136641804"/>
       </p:ext>
     </p:extLst>
   </p:cSld>
   <p:clrMapOvr>
     <a:masterClrMapping/>
   </p:clrMapOvr>
+  <mc:AlternateContent xmlns:mc="http://schemas.openxmlformats.org/markup-compatibility/2006" xmlns:p159="http://schemas.microsoft.com/office/powerpoint/2015/09/main">
+    <mc:Choice Requires="p159">
+      <p:transition xmlns:p14="http://schemas.microsoft.com/office/powerpoint/2010/main" spd="slow" p14:dur="2000">
+        <p159:morph option="byObject"/>
+      </p:transition>
+    </mc:Choice>
+    <mc:Fallback xmlns="">
+      <p:transition spd="slow">
+        <p:fade/>
+      </p:transition>
+    </mc:Fallback>
+  </mc:AlternateContent>
   <p:timing>
     <p:tnLst>
       <p:par>
@@ -8223,8 +8311,8 @@
         </p:nvSpPr>
         <p:spPr>
           <a:xfrm>
-            <a:off x="685800" y="2485430"/>
-            <a:ext cx="7772400" cy="1887141"/>
+            <a:off x="791580" y="0"/>
+            <a:ext cx="7560840" cy="6858000"/>
           </a:xfrm>
           <a:prstGeom prst="rect">
             <a:avLst/>
@@ -8239,7 +8327,7 @@
         </p:spPr>
         <p:txBody>
           <a:bodyPr vert="horz" lIns="91440" tIns="45720" rIns="91440" bIns="45720" rtlCol="0" anchor="ctr">
-            <a:noAutofit/>
+            <a:normAutofit/>
           </a:bodyPr>
           <a:lstStyle>
             <a:lvl1pPr algn="ctr" defTabSz="914400" rtl="0" eaLnBrk="1" latinLnBrk="1" hangingPunct="1">
@@ -8258,31 +8346,503 @@
             </a:lvl1pPr>
           </a:lstStyle>
           <a:p>
-            <a:r>
-              <a:rPr lang="en-US" altLang="ko-KR" sz="4600" spc="-150" dirty="0">
+            <a:pPr algn="l">
+              <a:lnSpc>
+                <a:spcPct val="120000"/>
+              </a:lnSpc>
+            </a:pPr>
+            <a:r>
+              <a:rPr lang="en-US" altLang="ko-KR" sz="2400" spc="-150" dirty="0">
                 <a:solidFill>
                   <a:schemeClr val="tx1">
-                    <a:lumMod val="50000"/>
-                    <a:lumOff val="50000"/>
-                  </a:schemeClr>
-                </a:solidFill>
-                <a:latin typeface="나눔바른고딕" panose="020B0603020101020101" pitchFamily="50" charset="-127"/>
-                <a:ea typeface="나눔바른고딕" panose="020B0603020101020101" pitchFamily="50" charset="-127"/>
-              </a:rPr>
-              <a:t>2</a:t>
-            </a:r>
-            <a:r>
-              <a:rPr lang="ko-KR" altLang="en-US" sz="4600" spc="-150" dirty="0">
+                    <a:lumMod val="75000"/>
+                    <a:lumOff val="25000"/>
+                  </a:schemeClr>
+                </a:solidFill>
+                <a:latin typeface="나눔바른고딕" panose="020B0603020101020101" pitchFamily="50" charset="-127"/>
+                <a:ea typeface="나눔바른고딕" panose="020B0603020101020101" pitchFamily="50" charset="-127"/>
+              </a:rPr>
+              <a:t>while True:</a:t>
+            </a:r>
+          </a:p>
+          <a:p>
+            <a:pPr algn="l">
+              <a:lnSpc>
+                <a:spcPct val="120000"/>
+              </a:lnSpc>
+            </a:pPr>
+            <a:r>
+              <a:rPr lang="en-US" altLang="ko-KR" sz="2400" spc="-150" dirty="0">
                 <a:solidFill>
                   <a:schemeClr val="tx1">
-                    <a:lumMod val="50000"/>
-                    <a:lumOff val="50000"/>
-                  </a:schemeClr>
-                </a:solidFill>
-                <a:latin typeface="나눔바른고딕" panose="020B0603020101020101" pitchFamily="50" charset="-127"/>
-                <a:ea typeface="나눔바른고딕" panose="020B0603020101020101" pitchFamily="50" charset="-127"/>
-              </a:rPr>
-              <a:t>차원 리스트</a:t>
+                    <a:lumMod val="75000"/>
+                    <a:lumOff val="25000"/>
+                  </a:schemeClr>
+                </a:solidFill>
+                <a:latin typeface="나눔바른고딕" panose="020B0603020101020101" pitchFamily="50" charset="-127"/>
+                <a:ea typeface="나눔바른고딕" panose="020B0603020101020101" pitchFamily="50" charset="-127"/>
+              </a:rPr>
+              <a:t>	select = int(input("</a:t>
+            </a:r>
+            <a:r>
+              <a:rPr lang="ko-KR" altLang="en-US" sz="2400" spc="-150" dirty="0">
+                <a:solidFill>
+                  <a:schemeClr val="tx1">
+                    <a:lumMod val="75000"/>
+                    <a:lumOff val="25000"/>
+                  </a:schemeClr>
+                </a:solidFill>
+                <a:latin typeface="나눔바른고딕" panose="020B0603020101020101" pitchFamily="50" charset="-127"/>
+                <a:ea typeface="나눔바른고딕" panose="020B0603020101020101" pitchFamily="50" charset="-127"/>
+              </a:rPr>
+              <a:t>메뉴를 입력하세요</a:t>
+            </a:r>
+            <a:r>
+              <a:rPr lang="en-US" altLang="ko-KR" sz="2400" spc="-150" dirty="0">
+                <a:solidFill>
+                  <a:schemeClr val="tx1">
+                    <a:lumMod val="75000"/>
+                    <a:lumOff val="25000"/>
+                  </a:schemeClr>
+                </a:solidFill>
+                <a:latin typeface="나눔바른고딕" panose="020B0603020101020101" pitchFamily="50" charset="-127"/>
+                <a:ea typeface="나눔바른고딕" panose="020B0603020101020101" pitchFamily="50" charset="-127"/>
+              </a:rPr>
+              <a:t> </a:t>
+            </a:r>
+          </a:p>
+          <a:p>
+            <a:pPr algn="l">
+              <a:lnSpc>
+                <a:spcPct val="120000"/>
+              </a:lnSpc>
+            </a:pPr>
+            <a:r>
+              <a:rPr lang="en-US" altLang="ko-KR" sz="2400" spc="-150" dirty="0">
+                <a:solidFill>
+                  <a:schemeClr val="tx1">
+                    <a:lumMod val="75000"/>
+                    <a:lumOff val="25000"/>
+                  </a:schemeClr>
+                </a:solidFill>
+                <a:latin typeface="나눔바른고딕" panose="020B0603020101020101" pitchFamily="50" charset="-127"/>
+                <a:ea typeface="나눔바른고딕" panose="020B0603020101020101" pitchFamily="50" charset="-127"/>
+              </a:rPr>
+              <a:t>			      1. </a:t>
+            </a:r>
+            <a:r>
+              <a:rPr lang="ko-KR" altLang="en-US" sz="2400" spc="-150" dirty="0">
+                <a:solidFill>
+                  <a:schemeClr val="tx1">
+                    <a:lumMod val="75000"/>
+                    <a:lumOff val="25000"/>
+                  </a:schemeClr>
+                </a:solidFill>
+                <a:latin typeface="나눔바른고딕" panose="020B0603020101020101" pitchFamily="50" charset="-127"/>
+                <a:ea typeface="나눔바른고딕" panose="020B0603020101020101" pitchFamily="50" charset="-127"/>
+              </a:rPr>
+              <a:t>게임시작 </a:t>
+            </a:r>
+            <a:r>
+              <a:rPr lang="en-US" altLang="ko-KR" sz="2400" spc="-150" dirty="0">
+                <a:solidFill>
+                  <a:schemeClr val="tx1">
+                    <a:lumMod val="75000"/>
+                    <a:lumOff val="25000"/>
+                  </a:schemeClr>
+                </a:solidFill>
+                <a:latin typeface="나눔바른고딕" panose="020B0603020101020101" pitchFamily="50" charset="-127"/>
+                <a:ea typeface="나눔바른고딕" panose="020B0603020101020101" pitchFamily="50" charset="-127"/>
+              </a:rPr>
+              <a:t>2. </a:t>
+            </a:r>
+            <a:r>
+              <a:rPr lang="ko-KR" altLang="en-US" sz="2400" spc="-150" dirty="0">
+                <a:solidFill>
+                  <a:schemeClr val="tx1">
+                    <a:lumMod val="75000"/>
+                    <a:lumOff val="25000"/>
+                  </a:schemeClr>
+                </a:solidFill>
+                <a:latin typeface="나눔바른고딕" panose="020B0603020101020101" pitchFamily="50" charset="-127"/>
+                <a:ea typeface="나눔바른고딕" panose="020B0603020101020101" pitchFamily="50" charset="-127"/>
+              </a:rPr>
+              <a:t>랭킹보기 </a:t>
+            </a:r>
+            <a:r>
+              <a:rPr lang="en-US" altLang="ko-KR" sz="2400" spc="-150" dirty="0">
+                <a:solidFill>
+                  <a:schemeClr val="tx1">
+                    <a:lumMod val="75000"/>
+                    <a:lumOff val="25000"/>
+                  </a:schemeClr>
+                </a:solidFill>
+                <a:latin typeface="나눔바른고딕" panose="020B0603020101020101" pitchFamily="50" charset="-127"/>
+                <a:ea typeface="나눔바른고딕" panose="020B0603020101020101" pitchFamily="50" charset="-127"/>
+              </a:rPr>
+              <a:t>3. </a:t>
+            </a:r>
+            <a:r>
+              <a:rPr lang="ko-KR" altLang="en-US" sz="2400" spc="-150" dirty="0">
+                <a:solidFill>
+                  <a:schemeClr val="tx1">
+                    <a:lumMod val="75000"/>
+                    <a:lumOff val="25000"/>
+                  </a:schemeClr>
+                </a:solidFill>
+                <a:latin typeface="나눔바른고딕" panose="020B0603020101020101" pitchFamily="50" charset="-127"/>
+                <a:ea typeface="나눔바른고딕" panose="020B0603020101020101" pitchFamily="50" charset="-127"/>
+              </a:rPr>
+              <a:t>게임종료</a:t>
+            </a:r>
+            <a:r>
+              <a:rPr lang="en-US" altLang="ko-KR" sz="2400" spc="-150" dirty="0">
+                <a:solidFill>
+                  <a:schemeClr val="tx1">
+                    <a:lumMod val="75000"/>
+                    <a:lumOff val="25000"/>
+                  </a:schemeClr>
+                </a:solidFill>
+                <a:latin typeface="나눔바른고딕" panose="020B0603020101020101" pitchFamily="50" charset="-127"/>
+                <a:ea typeface="나눔바른고딕" panose="020B0603020101020101" pitchFamily="50" charset="-127"/>
+              </a:rPr>
+              <a:t>"))</a:t>
+            </a:r>
+          </a:p>
+          <a:p>
+            <a:pPr algn="l">
+              <a:lnSpc>
+                <a:spcPct val="120000"/>
+              </a:lnSpc>
+            </a:pPr>
+            <a:r>
+              <a:rPr lang="en-US" altLang="ko-KR" sz="2400" spc="-150" dirty="0">
+                <a:solidFill>
+                  <a:schemeClr val="tx1">
+                    <a:lumMod val="75000"/>
+                    <a:lumOff val="25000"/>
+                  </a:schemeClr>
+                </a:solidFill>
+                <a:latin typeface="나눔바른고딕" panose="020B0603020101020101" pitchFamily="50" charset="-127"/>
+                <a:ea typeface="나눔바른고딕" panose="020B0603020101020101" pitchFamily="50" charset="-127"/>
+              </a:rPr>
+              <a:t>	if select == 1:</a:t>
+            </a:r>
+          </a:p>
+          <a:p>
+            <a:pPr algn="l">
+              <a:lnSpc>
+                <a:spcPct val="120000"/>
+              </a:lnSpc>
+            </a:pPr>
+            <a:r>
+              <a:rPr lang="en-US" altLang="ko-KR" sz="2400" spc="-150" dirty="0">
+                <a:solidFill>
+                  <a:schemeClr val="tx1">
+                    <a:lumMod val="75000"/>
+                    <a:lumOff val="25000"/>
+                  </a:schemeClr>
+                </a:solidFill>
+                <a:latin typeface="나눔바른고딕" panose="020B0603020101020101" pitchFamily="50" charset="-127"/>
+                <a:ea typeface="나눔바른고딕" panose="020B0603020101020101" pitchFamily="50" charset="-127"/>
+              </a:rPr>
+              <a:t>		print("</a:t>
+            </a:r>
+            <a:r>
+              <a:rPr lang="ko-KR" altLang="en-US" sz="2400" spc="-150" dirty="0">
+                <a:solidFill>
+                  <a:schemeClr val="tx1">
+                    <a:lumMod val="75000"/>
+                    <a:lumOff val="25000"/>
+                  </a:schemeClr>
+                </a:solidFill>
+                <a:latin typeface="나눔바른고딕" panose="020B0603020101020101" pitchFamily="50" charset="-127"/>
+                <a:ea typeface="나눔바른고딕" panose="020B0603020101020101" pitchFamily="50" charset="-127"/>
+              </a:rPr>
+              <a:t>게임을 시작합니다</a:t>
+            </a:r>
+            <a:r>
+              <a:rPr lang="en-US" altLang="ko-KR" sz="2400" spc="-150" dirty="0">
+                <a:solidFill>
+                  <a:schemeClr val="tx1">
+                    <a:lumMod val="75000"/>
+                    <a:lumOff val="25000"/>
+                  </a:schemeClr>
+                </a:solidFill>
+                <a:latin typeface="나눔바른고딕" panose="020B0603020101020101" pitchFamily="50" charset="-127"/>
+                <a:ea typeface="나눔바른고딕" panose="020B0603020101020101" pitchFamily="50" charset="-127"/>
+              </a:rPr>
+              <a:t>")</a:t>
+            </a:r>
+          </a:p>
+          <a:p>
+            <a:pPr algn="l">
+              <a:lnSpc>
+                <a:spcPct val="120000"/>
+              </a:lnSpc>
+            </a:pPr>
+            <a:r>
+              <a:rPr lang="en-US" altLang="ko-KR" sz="2400" spc="-150" dirty="0">
+                <a:solidFill>
+                  <a:schemeClr val="tx1">
+                    <a:lumMod val="75000"/>
+                    <a:lumOff val="25000"/>
+                  </a:schemeClr>
+                </a:solidFill>
+                <a:latin typeface="나눔바른고딕" panose="020B0603020101020101" pitchFamily="50" charset="-127"/>
+                <a:ea typeface="나눔바른고딕" panose="020B0603020101020101" pitchFamily="50" charset="-127"/>
+              </a:rPr>
+              <a:t>	</a:t>
+            </a:r>
+            <a:r>
+              <a:rPr lang="en-US" altLang="ko-KR" sz="2400" spc="-150" dirty="0" err="1">
+                <a:solidFill>
+                  <a:schemeClr val="tx1">
+                    <a:lumMod val="75000"/>
+                    <a:lumOff val="25000"/>
+                  </a:schemeClr>
+                </a:solidFill>
+                <a:latin typeface="나눔바른고딕" panose="020B0603020101020101" pitchFamily="50" charset="-127"/>
+                <a:ea typeface="나눔바른고딕" panose="020B0603020101020101" pitchFamily="50" charset="-127"/>
+              </a:rPr>
+              <a:t>elif</a:t>
+            </a:r>
+            <a:r>
+              <a:rPr lang="en-US" altLang="ko-KR" sz="2400" spc="-150" dirty="0">
+                <a:solidFill>
+                  <a:schemeClr val="tx1">
+                    <a:lumMod val="75000"/>
+                    <a:lumOff val="25000"/>
+                  </a:schemeClr>
+                </a:solidFill>
+                <a:latin typeface="나눔바른고딕" panose="020B0603020101020101" pitchFamily="50" charset="-127"/>
+                <a:ea typeface="나눔바른고딕" panose="020B0603020101020101" pitchFamily="50" charset="-127"/>
+              </a:rPr>
+              <a:t> select == 2:</a:t>
+            </a:r>
+          </a:p>
+          <a:p>
+            <a:pPr algn="l">
+              <a:lnSpc>
+                <a:spcPct val="120000"/>
+              </a:lnSpc>
+            </a:pPr>
+            <a:r>
+              <a:rPr lang="en-US" altLang="ko-KR" sz="2400" spc="-150" dirty="0">
+                <a:solidFill>
+                  <a:schemeClr val="tx1">
+                    <a:lumMod val="75000"/>
+                    <a:lumOff val="25000"/>
+                  </a:schemeClr>
+                </a:solidFill>
+                <a:latin typeface="나눔바른고딕" panose="020B0603020101020101" pitchFamily="50" charset="-127"/>
+                <a:ea typeface="나눔바른고딕" panose="020B0603020101020101" pitchFamily="50" charset="-127"/>
+              </a:rPr>
+              <a:t>		print("</a:t>
+            </a:r>
+            <a:r>
+              <a:rPr lang="ko-KR" altLang="en-US" sz="2400" spc="-150" dirty="0">
+                <a:solidFill>
+                  <a:schemeClr val="tx1">
+                    <a:lumMod val="75000"/>
+                    <a:lumOff val="25000"/>
+                  </a:schemeClr>
+                </a:solidFill>
+                <a:latin typeface="나눔바른고딕" panose="020B0603020101020101" pitchFamily="50" charset="-127"/>
+                <a:ea typeface="나눔바른고딕" panose="020B0603020101020101" pitchFamily="50" charset="-127"/>
+              </a:rPr>
+              <a:t>랭킹보기</a:t>
+            </a:r>
+            <a:r>
+              <a:rPr lang="en-US" altLang="ko-KR" sz="2400" spc="-150" dirty="0">
+                <a:solidFill>
+                  <a:schemeClr val="tx1">
+                    <a:lumMod val="75000"/>
+                    <a:lumOff val="25000"/>
+                  </a:schemeClr>
+                </a:solidFill>
+                <a:latin typeface="나눔바른고딕" panose="020B0603020101020101" pitchFamily="50" charset="-127"/>
+                <a:ea typeface="나눔바른고딕" panose="020B0603020101020101" pitchFamily="50" charset="-127"/>
+              </a:rPr>
+              <a:t>")</a:t>
+            </a:r>
+          </a:p>
+          <a:p>
+            <a:pPr algn="l">
+              <a:lnSpc>
+                <a:spcPct val="120000"/>
+              </a:lnSpc>
+            </a:pPr>
+            <a:r>
+              <a:rPr lang="en-US" altLang="ko-KR" sz="2400" spc="-150" dirty="0">
+                <a:solidFill>
+                  <a:schemeClr val="tx1">
+                    <a:lumMod val="75000"/>
+                    <a:lumOff val="25000"/>
+                  </a:schemeClr>
+                </a:solidFill>
+                <a:latin typeface="나눔바른고딕" panose="020B0603020101020101" pitchFamily="50" charset="-127"/>
+                <a:ea typeface="나눔바른고딕" panose="020B0603020101020101" pitchFamily="50" charset="-127"/>
+              </a:rPr>
+              <a:t>	</a:t>
+            </a:r>
+            <a:r>
+              <a:rPr lang="en-US" altLang="ko-KR" sz="2400" spc="-150" dirty="0" err="1">
+                <a:solidFill>
+                  <a:schemeClr val="tx1">
+                    <a:lumMod val="75000"/>
+                    <a:lumOff val="25000"/>
+                  </a:schemeClr>
+                </a:solidFill>
+                <a:latin typeface="나눔바른고딕" panose="020B0603020101020101" pitchFamily="50" charset="-127"/>
+                <a:ea typeface="나눔바른고딕" panose="020B0603020101020101" pitchFamily="50" charset="-127"/>
+              </a:rPr>
+              <a:t>elif</a:t>
+            </a:r>
+            <a:r>
+              <a:rPr lang="en-US" altLang="ko-KR" sz="2400" spc="-150" dirty="0">
+                <a:solidFill>
+                  <a:schemeClr val="tx1">
+                    <a:lumMod val="75000"/>
+                    <a:lumOff val="25000"/>
+                  </a:schemeClr>
+                </a:solidFill>
+                <a:latin typeface="나눔바른고딕" panose="020B0603020101020101" pitchFamily="50" charset="-127"/>
+                <a:ea typeface="나눔바른고딕" panose="020B0603020101020101" pitchFamily="50" charset="-127"/>
+              </a:rPr>
+              <a:t> select == 3:</a:t>
+            </a:r>
+          </a:p>
+          <a:p>
+            <a:pPr algn="l">
+              <a:lnSpc>
+                <a:spcPct val="120000"/>
+              </a:lnSpc>
+            </a:pPr>
+            <a:r>
+              <a:rPr lang="en-US" altLang="ko-KR" sz="2400" spc="-150" dirty="0">
+                <a:solidFill>
+                  <a:schemeClr val="tx1">
+                    <a:lumMod val="75000"/>
+                    <a:lumOff val="25000"/>
+                  </a:schemeClr>
+                </a:solidFill>
+                <a:latin typeface="나눔바른고딕" panose="020B0603020101020101" pitchFamily="50" charset="-127"/>
+                <a:ea typeface="나눔바른고딕" panose="020B0603020101020101" pitchFamily="50" charset="-127"/>
+              </a:rPr>
+              <a:t>		print("</a:t>
+            </a:r>
+            <a:r>
+              <a:rPr lang="ko-KR" altLang="en-US" sz="2400" spc="-150" dirty="0">
+                <a:solidFill>
+                  <a:schemeClr val="tx1">
+                    <a:lumMod val="75000"/>
+                    <a:lumOff val="25000"/>
+                  </a:schemeClr>
+                </a:solidFill>
+                <a:latin typeface="나눔바른고딕" panose="020B0603020101020101" pitchFamily="50" charset="-127"/>
+                <a:ea typeface="나눔바른고딕" panose="020B0603020101020101" pitchFamily="50" charset="-127"/>
+              </a:rPr>
+              <a:t>게임을 종료합니다</a:t>
+            </a:r>
+            <a:r>
+              <a:rPr lang="en-US" altLang="ko-KR" sz="2400" spc="-150" dirty="0">
+                <a:solidFill>
+                  <a:schemeClr val="tx1">
+                    <a:lumMod val="75000"/>
+                    <a:lumOff val="25000"/>
+                  </a:schemeClr>
+                </a:solidFill>
+                <a:latin typeface="나눔바른고딕" panose="020B0603020101020101" pitchFamily="50" charset="-127"/>
+                <a:ea typeface="나눔바른고딕" panose="020B0603020101020101" pitchFamily="50" charset="-127"/>
+              </a:rPr>
+              <a:t>")</a:t>
+            </a:r>
+          </a:p>
+          <a:p>
+            <a:pPr algn="l">
+              <a:lnSpc>
+                <a:spcPct val="120000"/>
+              </a:lnSpc>
+            </a:pPr>
+            <a:r>
+              <a:rPr lang="en-US" altLang="ko-KR" sz="2400" spc="-150" dirty="0">
+                <a:solidFill>
+                  <a:schemeClr val="tx1">
+                    <a:lumMod val="75000"/>
+                    <a:lumOff val="25000"/>
+                  </a:schemeClr>
+                </a:solidFill>
+                <a:latin typeface="나눔바른고딕" panose="020B0603020101020101" pitchFamily="50" charset="-127"/>
+                <a:ea typeface="나눔바른고딕" panose="020B0603020101020101" pitchFamily="50" charset="-127"/>
+              </a:rPr>
+              <a:t>		break</a:t>
+            </a:r>
+          </a:p>
+          <a:p>
+            <a:pPr algn="l">
+              <a:lnSpc>
+                <a:spcPct val="120000"/>
+              </a:lnSpc>
+            </a:pPr>
+            <a:r>
+              <a:rPr lang="en-US" altLang="ko-KR" sz="2400" spc="-150" dirty="0">
+                <a:solidFill>
+                  <a:schemeClr val="tx1">
+                    <a:lumMod val="75000"/>
+                    <a:lumOff val="25000"/>
+                  </a:schemeClr>
+                </a:solidFill>
+                <a:latin typeface="나눔바른고딕" panose="020B0603020101020101" pitchFamily="50" charset="-127"/>
+                <a:ea typeface="나눔바른고딕" panose="020B0603020101020101" pitchFamily="50" charset="-127"/>
+              </a:rPr>
+              <a:t>	else:</a:t>
+            </a:r>
+          </a:p>
+          <a:p>
+            <a:pPr algn="l">
+              <a:lnSpc>
+                <a:spcPct val="120000"/>
+              </a:lnSpc>
+            </a:pPr>
+            <a:r>
+              <a:rPr lang="en-US" altLang="ko-KR" sz="2400" spc="-150" dirty="0">
+                <a:solidFill>
+                  <a:schemeClr val="tx1">
+                    <a:lumMod val="75000"/>
+                    <a:lumOff val="25000"/>
+                  </a:schemeClr>
+                </a:solidFill>
+                <a:latin typeface="나눔바른고딕" panose="020B0603020101020101" pitchFamily="50" charset="-127"/>
+                <a:ea typeface="나눔바른고딕" panose="020B0603020101020101" pitchFamily="50" charset="-127"/>
+              </a:rPr>
+              <a:t>		print("</a:t>
+            </a:r>
+            <a:r>
+              <a:rPr lang="ko-KR" altLang="en-US" sz="2400" spc="-150" dirty="0">
+                <a:solidFill>
+                  <a:schemeClr val="tx1">
+                    <a:lumMod val="75000"/>
+                    <a:lumOff val="25000"/>
+                  </a:schemeClr>
+                </a:solidFill>
+                <a:latin typeface="나눔바른고딕" panose="020B0603020101020101" pitchFamily="50" charset="-127"/>
+                <a:ea typeface="나눔바른고딕" panose="020B0603020101020101" pitchFamily="50" charset="-127"/>
+              </a:rPr>
+              <a:t>다시 입력해 주세요</a:t>
+            </a:r>
+            <a:r>
+              <a:rPr lang="en-US" altLang="ko-KR" sz="2400" spc="-150" dirty="0">
+                <a:solidFill>
+                  <a:schemeClr val="tx1">
+                    <a:lumMod val="75000"/>
+                    <a:lumOff val="25000"/>
+                  </a:schemeClr>
+                </a:solidFill>
+                <a:latin typeface="나눔바른고딕" panose="020B0603020101020101" pitchFamily="50" charset="-127"/>
+                <a:ea typeface="나눔바른고딕" panose="020B0603020101020101" pitchFamily="50" charset="-127"/>
+              </a:rPr>
+              <a:t>")</a:t>
             </a:r>
           </a:p>
         </p:txBody>
@@ -8290,13 +8850,25 @@
     </p:spTree>
     <p:extLst>
       <p:ext uri="{BB962C8B-B14F-4D97-AF65-F5344CB8AC3E}">
-        <p14:creationId xmlns:p14="http://schemas.microsoft.com/office/powerpoint/2010/main" val="1905261982"/>
+        <p14:creationId xmlns:p14="http://schemas.microsoft.com/office/powerpoint/2010/main" val="447964820"/>
       </p:ext>
     </p:extLst>
   </p:cSld>
   <p:clrMapOvr>
     <a:masterClrMapping/>
   </p:clrMapOvr>
+  <mc:AlternateContent xmlns:mc="http://schemas.openxmlformats.org/markup-compatibility/2006" xmlns:p159="http://schemas.microsoft.com/office/powerpoint/2015/09/main">
+    <mc:Choice Requires="p159">
+      <p:transition xmlns:p14="http://schemas.microsoft.com/office/powerpoint/2010/main" spd="slow" p14:dur="2000">
+        <p159:morph option="byObject"/>
+      </p:transition>
+    </mc:Choice>
+    <mc:Fallback xmlns="">
+      <p:transition spd="slow">
+        <p:fade/>
+      </p:transition>
+    </mc:Fallback>
+  </mc:AlternateContent>
   <p:timing>
     <p:tnLst>
       <p:par>
